--- a/Rotation Wrap Up Presentation.pptx
+++ b/Rotation Wrap Up Presentation.pptx
@@ -5,7 +5,7 @@
     <p:sldMasterId id="2147483648" r:id="rId1"/>
   </p:sldMasterIdLst>
   <p:notesMasterIdLst>
-    <p:notesMasterId r:id="rId16"/>
+    <p:notesMasterId r:id="rId20"/>
   </p:notesMasterIdLst>
   <p:sldIdLst>
     <p:sldId id="258" r:id="rId2"/>
@@ -13,15 +13,19 @@
     <p:sldId id="257" r:id="rId4"/>
     <p:sldId id="259" r:id="rId5"/>
     <p:sldId id="261" r:id="rId6"/>
-    <p:sldId id="262" r:id="rId7"/>
-    <p:sldId id="263" r:id="rId8"/>
-    <p:sldId id="264" r:id="rId9"/>
-    <p:sldId id="265" r:id="rId10"/>
-    <p:sldId id="266" r:id="rId11"/>
-    <p:sldId id="267" r:id="rId12"/>
-    <p:sldId id="268" r:id="rId13"/>
-    <p:sldId id="269" r:id="rId14"/>
-    <p:sldId id="270" r:id="rId15"/>
+    <p:sldId id="271" r:id="rId7"/>
+    <p:sldId id="262" r:id="rId8"/>
+    <p:sldId id="263" r:id="rId9"/>
+    <p:sldId id="264" r:id="rId10"/>
+    <p:sldId id="272" r:id="rId11"/>
+    <p:sldId id="265" r:id="rId12"/>
+    <p:sldId id="266" r:id="rId13"/>
+    <p:sldId id="273" r:id="rId14"/>
+    <p:sldId id="267" r:id="rId15"/>
+    <p:sldId id="268" r:id="rId16"/>
+    <p:sldId id="274" r:id="rId17"/>
+    <p:sldId id="269" r:id="rId18"/>
+    <p:sldId id="270" r:id="rId19"/>
   </p:sldIdLst>
   <p:sldSz cx="12192000" cy="6858000"/>
   <p:notesSz cx="6858000" cy="9144000"/>
@@ -120,6 +124,11 @@
       </a:defRPr>
     </a:lvl9pPr>
   </p:defaultTextStyle>
+  <p:extLst>
+    <p:ext uri="{EFAFB233-063F-42B5-8137-9DF3F51BA10A}">
+      <p15:sldGuideLst xmlns:p15="http://schemas.microsoft.com/office/powerpoint/2012/main"/>
+    </p:ext>
+  </p:extLst>
 </p:presentation>
 </file>
 
@@ -1034,7 +1043,7 @@
           <a:p>
             <a:fld id="{6F5FC47A-10DE-424C-9565-E3232329B427}" type="datetimeFigureOut">
               <a:rPr lang="en-US" smtClean="0"/>
-              <a:t>11/30/19</a:t>
+              <a:t>12/2/19</a:t>
             </a:fld>
             <a:endParaRPr lang="en-US"/>
           </a:p>
@@ -1347,7 +1356,7 @@
           <a:p>
             <a:r>
               <a:rPr lang="en-US" dirty="0"/>
-              <a:t>Basal Cell Carcinoma is the most prevalent skin cancer in the US with 4 million diagnosis a year. This cancer occurs in the basal layer which is the lowest layer of the epidermis. </a:t>
+              <a:t>Basal Cell Carcinoma is the most prevalent skin cancer in the US with 4 million diagnosis a year. This cancer occurs in the basal layer which is the lowest layer of the epidermis. Evidence supports that BCC caused by uncontrolled activation of the hedgehog signaling pathway which is critical in development in the primary cilia of a cell. </a:t>
             </a:r>
           </a:p>
         </p:txBody>
@@ -1379,6 +1388,118 @@
     <p:extLst>
       <p:ext uri="{BB962C8B-B14F-4D97-AF65-F5344CB8AC3E}">
         <p14:creationId xmlns:p14="http://schemas.microsoft.com/office/powerpoint/2010/main" val="919233213"/>
+      </p:ext>
+    </p:extLst>
+  </p:cSld>
+  <p:clrMapOvr>
+    <a:masterClrMapping/>
+  </p:clrMapOvr>
+</p:notes>
+</file>
+
+<file path=ppt/notesSlides/notesSlide10.xml><?xml version="1.0" encoding="utf-8"?>
+<p:notes xmlns:a="http://schemas.openxmlformats.org/drawingml/2006/main" xmlns:r="http://schemas.openxmlformats.org/officeDocument/2006/relationships" xmlns:p="http://schemas.openxmlformats.org/presentationml/2006/main">
+  <p:cSld>
+    <p:spTree>
+      <p:nvGrpSpPr>
+        <p:cNvPr id="1" name=""/>
+        <p:cNvGrpSpPr/>
+        <p:nvPr/>
+      </p:nvGrpSpPr>
+      <p:grpSpPr>
+        <a:xfrm>
+          <a:off x="0" y="0"/>
+          <a:ext cx="0" cy="0"/>
+          <a:chOff x="0" y="0"/>
+          <a:chExt cx="0" cy="0"/>
+        </a:xfrm>
+      </p:grpSpPr>
+      <p:sp>
+        <p:nvSpPr>
+          <p:cNvPr id="2" name="Slide Image Placeholder 1"/>
+          <p:cNvSpPr>
+            <a:spLocks noGrp="1" noRot="1" noChangeAspect="1"/>
+          </p:cNvSpPr>
+          <p:nvPr>
+            <p:ph type="sldImg"/>
+          </p:nvPr>
+        </p:nvSpPr>
+        <p:spPr/>
+      </p:sp>
+      <p:sp>
+        <p:nvSpPr>
+          <p:cNvPr id="3" name="Notes Placeholder 2"/>
+          <p:cNvSpPr>
+            <a:spLocks noGrp="1"/>
+          </p:cNvSpPr>
+          <p:nvPr>
+            <p:ph type="body" idx="1"/>
+          </p:nvPr>
+        </p:nvSpPr>
+        <p:spPr/>
+        <p:txBody>
+          <a:bodyPr/>
+          <a:lstStyle/>
+          <a:p>
+            <a:r>
+              <a:rPr lang="en-US" dirty="0"/>
+              <a:t>Measuring absorbance at 570 </a:t>
+            </a:r>
+            <a:r>
+              <a:rPr lang="en-US" dirty="0" err="1"/>
+              <a:t>nM</a:t>
+            </a:r>
+            <a:r>
+              <a:rPr lang="en-US" dirty="0"/>
+              <a:t> as a measure of BCC cell viability when treated with drug.</a:t>
+            </a:r>
+          </a:p>
+          <a:p>
+            <a:r>
+              <a:rPr lang="en-US" dirty="0"/>
+              <a:t>Comparing the blue line (diluent only) to the other lines we do not see significant change in the absorbance at 570 </a:t>
+            </a:r>
+            <a:r>
+              <a:rPr lang="en-US" dirty="0" err="1"/>
+              <a:t>nM.</a:t>
+            </a:r>
+            <a:r>
+              <a:rPr lang="en-US" dirty="0"/>
+              <a:t> Overall, do not see a significant effect on the cell viability for BCC cells when treated with inhibitor </a:t>
+            </a:r>
+          </a:p>
+          <a:p>
+            <a:endParaRPr lang="en-US" dirty="0"/>
+          </a:p>
+        </p:txBody>
+      </p:sp>
+      <p:sp>
+        <p:nvSpPr>
+          <p:cNvPr id="4" name="Slide Number Placeholder 3"/>
+          <p:cNvSpPr>
+            <a:spLocks noGrp="1"/>
+          </p:cNvSpPr>
+          <p:nvPr>
+            <p:ph type="sldNum" sz="quarter" idx="5"/>
+          </p:nvPr>
+        </p:nvSpPr>
+        <p:spPr/>
+        <p:txBody>
+          <a:bodyPr/>
+          <a:lstStyle/>
+          <a:p>
+            <a:fld id="{C9C05CE2-C150-674A-BE68-EDFD3723B347}" type="slidenum">
+              <a:rPr lang="en-US" smtClean="0"/>
+              <a:t>17</a:t>
+            </a:fld>
+            <a:endParaRPr lang="en-US"/>
+          </a:p>
+        </p:txBody>
+      </p:sp>
+    </p:spTree>
+    <p:extLst>
+      <p:ext uri="{BB962C8B-B14F-4D97-AF65-F5344CB8AC3E}">
+        <p14:creationId xmlns:p14="http://schemas.microsoft.com/office/powerpoint/2010/main" val="4011516416"/>
       </p:ext>
     </p:extLst>
   </p:cSld>
@@ -1432,18 +1553,12 @@
           <a:bodyPr/>
           <a:lstStyle/>
           <a:p>
+            <a:pPr marL="228600" indent="-228600">
+              <a:buAutoNum type="alphaUcPeriod"/>
+            </a:pPr>
             <a:r>
               <a:rPr lang="en-US" dirty="0"/>
-              <a:t>BCC has been correlated with uncontrolled activation of the hedgehog signaling pathway which is critical in development in the primary cilia of a cell. </a:t>
-            </a:r>
-          </a:p>
-          <a:p>
-            <a:endParaRPr lang="en-US" dirty="0"/>
-          </a:p>
-          <a:p>
-            <a:r>
-              <a:rPr lang="en-US" dirty="0"/>
-              <a:t>A. Inactive </a:t>
+              <a:t>Inactive </a:t>
             </a:r>
             <a:r>
               <a:rPr lang="en-US" dirty="0" err="1"/>
@@ -1461,6 +1576,59 @@
               <a:rPr lang="en-US" dirty="0"/>
               <a:t> pathway </a:t>
             </a:r>
+          </a:p>
+          <a:p>
+            <a:pPr marL="685800" lvl="1" indent="-228600">
+              <a:buAutoNum type="alphaUcPeriod"/>
+            </a:pPr>
+            <a:r>
+              <a:rPr lang="en-US" dirty="0"/>
+              <a:t>Inactive HH pathway, Patched receptor inhibits smoothened and </a:t>
+            </a:r>
+            <a:r>
+              <a:rPr lang="en-US" dirty="0" err="1"/>
+              <a:t>Sufu</a:t>
+            </a:r>
+            <a:r>
+              <a:rPr lang="en-US" dirty="0"/>
+              <a:t> inhibits </a:t>
+            </a:r>
+            <a:r>
+              <a:rPr lang="en-US" dirty="0" err="1"/>
+              <a:t>Gli</a:t>
+            </a:r>
+            <a:r>
+              <a:rPr lang="en-US" dirty="0"/>
+              <a:t> transcription pathway </a:t>
+            </a:r>
+          </a:p>
+          <a:p>
+            <a:pPr marL="685800" lvl="1" indent="-228600">
+              <a:buAutoNum type="alphaUcPeriod"/>
+            </a:pPr>
+            <a:r>
+              <a:rPr lang="en-US" dirty="0"/>
+              <a:t>When HH ligand binds to patched receptor </a:t>
+            </a:r>
+            <a:r>
+              <a:rPr lang="en-US" sz="1200" kern="1200" dirty="0">
+                <a:solidFill>
+                  <a:schemeClr val="tx1"/>
+                </a:solidFill>
+                <a:effectLst/>
+                <a:latin typeface="+mn-lt"/>
+                <a:ea typeface="+mn-ea"/>
+                <a:cs typeface="+mn-cs"/>
+              </a:rPr>
+              <a:t>activating the signal transducer Smoothened (SMO). SMO then moves to the cilium where it binds and inhibits Suppressor of Fused (SUFU), resulting in transcription factor activation of Glioma-Associated Oncogene (GLI)</a:t>
+            </a:r>
+            <a:r>
+              <a:rPr lang="en-US" dirty="0">
+                <a:effectLst/>
+              </a:rPr>
+              <a:t> </a:t>
+            </a:r>
+            <a:endParaRPr lang="en-US" dirty="0"/>
           </a:p>
         </p:txBody>
       </p:sp>
@@ -1491,6 +1659,765 @@
     <p:extLst>
       <p:ext uri="{BB962C8B-B14F-4D97-AF65-F5344CB8AC3E}">
         <p14:creationId xmlns:p14="http://schemas.microsoft.com/office/powerpoint/2010/main" val="3466354359"/>
+      </p:ext>
+    </p:extLst>
+  </p:cSld>
+  <p:clrMapOvr>
+    <a:masterClrMapping/>
+  </p:clrMapOvr>
+</p:notes>
+</file>
+
+<file path=ppt/notesSlides/notesSlide3.xml><?xml version="1.0" encoding="utf-8"?>
+<p:notes xmlns:a="http://schemas.openxmlformats.org/drawingml/2006/main" xmlns:r="http://schemas.openxmlformats.org/officeDocument/2006/relationships" xmlns:p="http://schemas.openxmlformats.org/presentationml/2006/main">
+  <p:cSld>
+    <p:spTree>
+      <p:nvGrpSpPr>
+        <p:cNvPr id="1" name=""/>
+        <p:cNvGrpSpPr/>
+        <p:nvPr/>
+      </p:nvGrpSpPr>
+      <p:grpSpPr>
+        <a:xfrm>
+          <a:off x="0" y="0"/>
+          <a:ext cx="0" cy="0"/>
+          <a:chOff x="0" y="0"/>
+          <a:chExt cx="0" cy="0"/>
+        </a:xfrm>
+      </p:grpSpPr>
+      <p:sp>
+        <p:nvSpPr>
+          <p:cNvPr id="2" name="Slide Image Placeholder 1"/>
+          <p:cNvSpPr>
+            <a:spLocks noGrp="1" noRot="1" noChangeAspect="1"/>
+          </p:cNvSpPr>
+          <p:nvPr>
+            <p:ph type="sldImg"/>
+          </p:nvPr>
+        </p:nvSpPr>
+        <p:spPr/>
+      </p:sp>
+      <p:sp>
+        <p:nvSpPr>
+          <p:cNvPr id="3" name="Notes Placeholder 2"/>
+          <p:cNvSpPr>
+            <a:spLocks noGrp="1"/>
+          </p:cNvSpPr>
+          <p:nvPr>
+            <p:ph type="body" idx="1"/>
+          </p:nvPr>
+        </p:nvSpPr>
+        <p:spPr/>
+        <p:txBody>
+          <a:bodyPr/>
+          <a:lstStyle/>
+          <a:p>
+            <a:r>
+              <a:rPr lang="en-US" dirty="0"/>
+              <a:t>As a method for treating BCC, small molecule drugs such as </a:t>
+            </a:r>
+            <a:r>
+              <a:rPr lang="en-US" dirty="0" err="1"/>
+              <a:t>vismodegib</a:t>
+            </a:r>
+            <a:r>
+              <a:rPr lang="en-US" dirty="0"/>
+              <a:t> have been designed to inhibit smoothened. When smoothened is inhibited, the release of GLI transcription factors cannot occur and thus Hedgehog target genes cannot be transcribed. However, it has been found that BCC can acquire resistance to SMO inhibitors thus causing a loss of SMO inhibitor </a:t>
+            </a:r>
+            <a:r>
+              <a:rPr lang="en-US" dirty="0" err="1"/>
+              <a:t>Sufu</a:t>
+            </a:r>
+            <a:r>
+              <a:rPr lang="en-US" dirty="0"/>
+              <a:t> or the gain of more transcription factors in the system. Additionally, mutations in SMO have caused the drug to be ineffective in suppressing </a:t>
+            </a:r>
+            <a:r>
+              <a:rPr lang="en-US" dirty="0" err="1"/>
+              <a:t>sufu</a:t>
+            </a:r>
+            <a:r>
+              <a:rPr lang="en-US" dirty="0"/>
+              <a:t> and thus allowing the pathway to proceed as normal. Both BCC resistance and SMO mutations have directed the attention in drug development to the GLI transcription factors. These transcription factors have been proposed to be activated by kinases. </a:t>
+            </a:r>
+          </a:p>
+        </p:txBody>
+      </p:sp>
+      <p:sp>
+        <p:nvSpPr>
+          <p:cNvPr id="4" name="Slide Number Placeholder 3"/>
+          <p:cNvSpPr>
+            <a:spLocks noGrp="1"/>
+          </p:cNvSpPr>
+          <p:nvPr>
+            <p:ph type="sldNum" sz="quarter" idx="5"/>
+          </p:nvPr>
+        </p:nvSpPr>
+        <p:spPr/>
+        <p:txBody>
+          <a:bodyPr/>
+          <a:lstStyle/>
+          <a:p>
+            <a:fld id="{C9C05CE2-C150-674A-BE68-EDFD3723B347}" type="slidenum">
+              <a:rPr lang="en-US" smtClean="0"/>
+              <a:t>5</a:t>
+            </a:fld>
+            <a:endParaRPr lang="en-US"/>
+          </a:p>
+        </p:txBody>
+      </p:sp>
+    </p:spTree>
+    <p:extLst>
+      <p:ext uri="{BB962C8B-B14F-4D97-AF65-F5344CB8AC3E}">
+        <p14:creationId xmlns:p14="http://schemas.microsoft.com/office/powerpoint/2010/main" val="2188791069"/>
+      </p:ext>
+    </p:extLst>
+  </p:cSld>
+  <p:clrMapOvr>
+    <a:masterClrMapping/>
+  </p:clrMapOvr>
+</p:notes>
+</file>
+
+<file path=ppt/notesSlides/notesSlide4.xml><?xml version="1.0" encoding="utf-8"?>
+<p:notes xmlns:a="http://schemas.openxmlformats.org/drawingml/2006/main" xmlns:r="http://schemas.openxmlformats.org/officeDocument/2006/relationships" xmlns:p="http://schemas.openxmlformats.org/presentationml/2006/main">
+  <p:cSld>
+    <p:spTree>
+      <p:nvGrpSpPr>
+        <p:cNvPr id="1" name=""/>
+        <p:cNvGrpSpPr/>
+        <p:nvPr/>
+      </p:nvGrpSpPr>
+      <p:grpSpPr>
+        <a:xfrm>
+          <a:off x="0" y="0"/>
+          <a:ext cx="0" cy="0"/>
+          <a:chOff x="0" y="0"/>
+          <a:chExt cx="0" cy="0"/>
+        </a:xfrm>
+      </p:grpSpPr>
+      <p:sp>
+        <p:nvSpPr>
+          <p:cNvPr id="2" name="Slide Image Placeholder 1"/>
+          <p:cNvSpPr>
+            <a:spLocks noGrp="1" noRot="1" noChangeAspect="1"/>
+          </p:cNvSpPr>
+          <p:nvPr>
+            <p:ph type="sldImg"/>
+          </p:nvPr>
+        </p:nvSpPr>
+        <p:spPr/>
+      </p:sp>
+      <p:sp>
+        <p:nvSpPr>
+          <p:cNvPr id="3" name="Notes Placeholder 2"/>
+          <p:cNvSpPr>
+            <a:spLocks noGrp="1"/>
+          </p:cNvSpPr>
+          <p:nvPr>
+            <p:ph type="body" idx="1"/>
+          </p:nvPr>
+        </p:nvSpPr>
+        <p:spPr/>
+        <p:txBody>
+          <a:bodyPr/>
+          <a:lstStyle/>
+          <a:p>
+            <a:r>
+              <a:rPr lang="en-US" dirty="0"/>
+              <a:t>We observe increased </a:t>
+            </a:r>
+            <a:r>
+              <a:rPr lang="en-US" dirty="0" err="1"/>
+              <a:t>Gli</a:t>
+            </a:r>
+            <a:r>
+              <a:rPr lang="en-US" dirty="0"/>
+              <a:t> expression in hedgehog conditioned serum starved media as expected because the Hedgehog pathway is specifically activated. </a:t>
+            </a:r>
+          </a:p>
+          <a:p>
+            <a:r>
+              <a:rPr lang="en-US" dirty="0"/>
+              <a:t>Outlier BCC (repeating experiment) </a:t>
+            </a:r>
+          </a:p>
+        </p:txBody>
+      </p:sp>
+      <p:sp>
+        <p:nvSpPr>
+          <p:cNvPr id="4" name="Slide Number Placeholder 3"/>
+          <p:cNvSpPr>
+            <a:spLocks noGrp="1"/>
+          </p:cNvSpPr>
+          <p:nvPr>
+            <p:ph type="sldNum" sz="quarter" idx="5"/>
+          </p:nvPr>
+        </p:nvSpPr>
+        <p:spPr/>
+        <p:txBody>
+          <a:bodyPr/>
+          <a:lstStyle/>
+          <a:p>
+            <a:fld id="{C9C05CE2-C150-674A-BE68-EDFD3723B347}" type="slidenum">
+              <a:rPr lang="en-US" smtClean="0"/>
+              <a:t>9</a:t>
+            </a:fld>
+            <a:endParaRPr lang="en-US"/>
+          </a:p>
+        </p:txBody>
+      </p:sp>
+    </p:spTree>
+    <p:extLst>
+      <p:ext uri="{BB962C8B-B14F-4D97-AF65-F5344CB8AC3E}">
+        <p14:creationId xmlns:p14="http://schemas.microsoft.com/office/powerpoint/2010/main" val="3388476487"/>
+      </p:ext>
+    </p:extLst>
+  </p:cSld>
+  <p:clrMapOvr>
+    <a:masterClrMapping/>
+  </p:clrMapOvr>
+</p:notes>
+</file>
+
+<file path=ppt/notesSlides/notesSlide5.xml><?xml version="1.0" encoding="utf-8"?>
+<p:notes xmlns:a="http://schemas.openxmlformats.org/drawingml/2006/main" xmlns:r="http://schemas.openxmlformats.org/officeDocument/2006/relationships" xmlns:p="http://schemas.openxmlformats.org/presentationml/2006/main">
+  <p:cSld>
+    <p:spTree>
+      <p:nvGrpSpPr>
+        <p:cNvPr id="1" name=""/>
+        <p:cNvGrpSpPr/>
+        <p:nvPr/>
+      </p:nvGrpSpPr>
+      <p:grpSpPr>
+        <a:xfrm>
+          <a:off x="0" y="0"/>
+          <a:ext cx="0" cy="0"/>
+          <a:chOff x="0" y="0"/>
+          <a:chExt cx="0" cy="0"/>
+        </a:xfrm>
+      </p:grpSpPr>
+      <p:sp>
+        <p:nvSpPr>
+          <p:cNvPr id="2" name="Slide Image Placeholder 1"/>
+          <p:cNvSpPr>
+            <a:spLocks noGrp="1" noRot="1" noChangeAspect="1"/>
+          </p:cNvSpPr>
+          <p:nvPr>
+            <p:ph type="sldImg"/>
+          </p:nvPr>
+        </p:nvSpPr>
+        <p:spPr/>
+      </p:sp>
+      <p:sp>
+        <p:nvSpPr>
+          <p:cNvPr id="3" name="Notes Placeholder 2"/>
+          <p:cNvSpPr>
+            <a:spLocks noGrp="1"/>
+          </p:cNvSpPr>
+          <p:nvPr>
+            <p:ph type="body" idx="1"/>
+          </p:nvPr>
+        </p:nvSpPr>
+        <p:spPr/>
+        <p:txBody>
+          <a:bodyPr/>
+          <a:lstStyle/>
+          <a:p>
+            <a:r>
+              <a:rPr lang="en-US" dirty="0"/>
+              <a:t>We observe increased </a:t>
+            </a:r>
+            <a:r>
+              <a:rPr lang="en-US" dirty="0" err="1"/>
+              <a:t>Gli</a:t>
+            </a:r>
+            <a:r>
+              <a:rPr lang="en-US" dirty="0"/>
+              <a:t> expression in hedgehog conditioned serum starved media as expected because the Hedgehog pathway is specifically activated. </a:t>
+            </a:r>
+          </a:p>
+          <a:p>
+            <a:r>
+              <a:rPr lang="en-US" dirty="0"/>
+              <a:t>Outlier BCC (repeating experiment) </a:t>
+            </a:r>
+          </a:p>
+        </p:txBody>
+      </p:sp>
+      <p:sp>
+        <p:nvSpPr>
+          <p:cNvPr id="4" name="Slide Number Placeholder 3"/>
+          <p:cNvSpPr>
+            <a:spLocks noGrp="1"/>
+          </p:cNvSpPr>
+          <p:nvPr>
+            <p:ph type="sldNum" sz="quarter" idx="5"/>
+          </p:nvPr>
+        </p:nvSpPr>
+        <p:spPr/>
+        <p:txBody>
+          <a:bodyPr/>
+          <a:lstStyle/>
+          <a:p>
+            <a:fld id="{C9C05CE2-C150-674A-BE68-EDFD3723B347}" type="slidenum">
+              <a:rPr lang="en-US" smtClean="0"/>
+              <a:t>10</a:t>
+            </a:fld>
+            <a:endParaRPr lang="en-US"/>
+          </a:p>
+        </p:txBody>
+      </p:sp>
+    </p:spTree>
+    <p:extLst>
+      <p:ext uri="{BB962C8B-B14F-4D97-AF65-F5344CB8AC3E}">
+        <p14:creationId xmlns:p14="http://schemas.microsoft.com/office/powerpoint/2010/main" val="698191807"/>
+      </p:ext>
+    </p:extLst>
+  </p:cSld>
+  <p:clrMapOvr>
+    <a:masterClrMapping/>
+  </p:clrMapOvr>
+</p:notes>
+</file>
+
+<file path=ppt/notesSlides/notesSlide6.xml><?xml version="1.0" encoding="utf-8"?>
+<p:notes xmlns:a="http://schemas.openxmlformats.org/drawingml/2006/main" xmlns:r="http://schemas.openxmlformats.org/officeDocument/2006/relationships" xmlns:p="http://schemas.openxmlformats.org/presentationml/2006/main">
+  <p:cSld>
+    <p:spTree>
+      <p:nvGrpSpPr>
+        <p:cNvPr id="1" name=""/>
+        <p:cNvGrpSpPr/>
+        <p:nvPr/>
+      </p:nvGrpSpPr>
+      <p:grpSpPr>
+        <a:xfrm>
+          <a:off x="0" y="0"/>
+          <a:ext cx="0" cy="0"/>
+          <a:chOff x="0" y="0"/>
+          <a:chExt cx="0" cy="0"/>
+        </a:xfrm>
+      </p:grpSpPr>
+      <p:sp>
+        <p:nvSpPr>
+          <p:cNvPr id="2" name="Slide Image Placeholder 1"/>
+          <p:cNvSpPr>
+            <a:spLocks noGrp="1" noRot="1" noChangeAspect="1"/>
+          </p:cNvSpPr>
+          <p:nvPr>
+            <p:ph type="sldImg"/>
+          </p:nvPr>
+        </p:nvSpPr>
+        <p:spPr/>
+      </p:sp>
+      <p:sp>
+        <p:nvSpPr>
+          <p:cNvPr id="3" name="Notes Placeholder 2"/>
+          <p:cNvSpPr>
+            <a:spLocks noGrp="1"/>
+          </p:cNvSpPr>
+          <p:nvPr>
+            <p:ph type="body" idx="1"/>
+          </p:nvPr>
+        </p:nvSpPr>
+        <p:spPr/>
+        <p:txBody>
+          <a:bodyPr/>
+          <a:lstStyle/>
+          <a:p>
+            <a:r>
+              <a:rPr lang="en-US" dirty="0"/>
+              <a:t>Measuring absorbance at 570 </a:t>
+            </a:r>
+            <a:r>
+              <a:rPr lang="en-US" dirty="0" err="1"/>
+              <a:t>nM</a:t>
+            </a:r>
+            <a:r>
+              <a:rPr lang="en-US" dirty="0"/>
+              <a:t> as a measure of BCC cell viability when treated with drug.</a:t>
+            </a:r>
+          </a:p>
+          <a:p>
+            <a:r>
+              <a:rPr lang="en-US" dirty="0"/>
+              <a:t>Comparing the blue line (diluent only) to the other lines we do not see significant change in the absorbance at 570 </a:t>
+            </a:r>
+            <a:r>
+              <a:rPr lang="en-US" dirty="0" err="1"/>
+              <a:t>nM</a:t>
+            </a:r>
+            <a:r>
+              <a:rPr lang="en-US" dirty="0"/>
+              <a:t> with the exception of the 100 </a:t>
+            </a:r>
+            <a:r>
+              <a:rPr lang="en-US" dirty="0" err="1"/>
+              <a:t>nM</a:t>
+            </a:r>
+            <a:r>
+              <a:rPr lang="en-US" dirty="0"/>
+              <a:t> concentration during the last day of incubation. Overall, do not see a significant effect on the cell viability for BCC cells when treated with inhibitor </a:t>
+            </a:r>
+          </a:p>
+          <a:p>
+            <a:endParaRPr lang="en-US" dirty="0"/>
+          </a:p>
+          <a:p>
+            <a:r>
+              <a:rPr lang="en-US" dirty="0"/>
+              <a:t>BCC not the best to do this with because they have developed resistance over time, but if we wanted to look at general cytotoxicity would use a mouse Keratinocyte line but because no real effect in BCCs, no need to look at the general cytotoxicity. </a:t>
+            </a:r>
+          </a:p>
+        </p:txBody>
+      </p:sp>
+      <p:sp>
+        <p:nvSpPr>
+          <p:cNvPr id="4" name="Slide Number Placeholder 3"/>
+          <p:cNvSpPr>
+            <a:spLocks noGrp="1"/>
+          </p:cNvSpPr>
+          <p:nvPr>
+            <p:ph type="sldNum" sz="quarter" idx="5"/>
+          </p:nvPr>
+        </p:nvSpPr>
+        <p:spPr/>
+        <p:txBody>
+          <a:bodyPr/>
+          <a:lstStyle/>
+          <a:p>
+            <a:fld id="{C9C05CE2-C150-674A-BE68-EDFD3723B347}" type="slidenum">
+              <a:rPr lang="en-US" smtClean="0"/>
+              <a:t>11</a:t>
+            </a:fld>
+            <a:endParaRPr lang="en-US"/>
+          </a:p>
+        </p:txBody>
+      </p:sp>
+    </p:spTree>
+    <p:extLst>
+      <p:ext uri="{BB962C8B-B14F-4D97-AF65-F5344CB8AC3E}">
+        <p14:creationId xmlns:p14="http://schemas.microsoft.com/office/powerpoint/2010/main" val="3876378075"/>
+      </p:ext>
+    </p:extLst>
+  </p:cSld>
+  <p:clrMapOvr>
+    <a:masterClrMapping/>
+  </p:clrMapOvr>
+</p:notes>
+</file>
+
+<file path=ppt/notesSlides/notesSlide7.xml><?xml version="1.0" encoding="utf-8"?>
+<p:notes xmlns:a="http://schemas.openxmlformats.org/drawingml/2006/main" xmlns:r="http://schemas.openxmlformats.org/officeDocument/2006/relationships" xmlns:p="http://schemas.openxmlformats.org/presentationml/2006/main">
+  <p:cSld>
+    <p:spTree>
+      <p:nvGrpSpPr>
+        <p:cNvPr id="1" name=""/>
+        <p:cNvGrpSpPr/>
+        <p:nvPr/>
+      </p:nvGrpSpPr>
+      <p:grpSpPr>
+        <a:xfrm>
+          <a:off x="0" y="0"/>
+          <a:ext cx="0" cy="0"/>
+          <a:chOff x="0" y="0"/>
+          <a:chExt cx="0" cy="0"/>
+        </a:xfrm>
+      </p:grpSpPr>
+      <p:sp>
+        <p:nvSpPr>
+          <p:cNvPr id="2" name="Slide Image Placeholder 1"/>
+          <p:cNvSpPr>
+            <a:spLocks noGrp="1" noRot="1" noChangeAspect="1"/>
+          </p:cNvSpPr>
+          <p:nvPr>
+            <p:ph type="sldImg"/>
+          </p:nvPr>
+        </p:nvSpPr>
+        <p:spPr/>
+      </p:sp>
+      <p:sp>
+        <p:nvSpPr>
+          <p:cNvPr id="3" name="Notes Placeholder 2"/>
+          <p:cNvSpPr>
+            <a:spLocks noGrp="1"/>
+          </p:cNvSpPr>
+          <p:nvPr>
+            <p:ph type="body" idx="1"/>
+          </p:nvPr>
+        </p:nvSpPr>
+        <p:spPr/>
+        <p:txBody>
+          <a:bodyPr/>
+          <a:lstStyle/>
+          <a:p>
+            <a:r>
+              <a:rPr lang="en-US" dirty="0"/>
+              <a:t>See small increase in hedgehog treated 3T3 cells but at IC50 of 80 mM the </a:t>
+            </a:r>
+            <a:r>
+              <a:rPr lang="en-US" dirty="0" err="1"/>
+              <a:t>Gli</a:t>
+            </a:r>
+            <a:r>
+              <a:rPr lang="en-US" dirty="0"/>
+              <a:t> expression is low </a:t>
+            </a:r>
+          </a:p>
+          <a:p>
+            <a:r>
+              <a:rPr lang="en-US" dirty="0"/>
+              <a:t>BCC does not show much change with presence of inhibitor. </a:t>
+            </a:r>
+          </a:p>
+          <a:p>
+            <a:endParaRPr lang="en-US" dirty="0"/>
+          </a:p>
+        </p:txBody>
+      </p:sp>
+      <p:sp>
+        <p:nvSpPr>
+          <p:cNvPr id="4" name="Slide Number Placeholder 3"/>
+          <p:cNvSpPr>
+            <a:spLocks noGrp="1"/>
+          </p:cNvSpPr>
+          <p:nvPr>
+            <p:ph type="sldNum" sz="quarter" idx="5"/>
+          </p:nvPr>
+        </p:nvSpPr>
+        <p:spPr/>
+        <p:txBody>
+          <a:bodyPr/>
+          <a:lstStyle/>
+          <a:p>
+            <a:fld id="{C9C05CE2-C150-674A-BE68-EDFD3723B347}" type="slidenum">
+              <a:rPr lang="en-US" smtClean="0"/>
+              <a:t>12</a:t>
+            </a:fld>
+            <a:endParaRPr lang="en-US"/>
+          </a:p>
+        </p:txBody>
+      </p:sp>
+    </p:spTree>
+    <p:extLst>
+      <p:ext uri="{BB962C8B-B14F-4D97-AF65-F5344CB8AC3E}">
+        <p14:creationId xmlns:p14="http://schemas.microsoft.com/office/powerpoint/2010/main" val="806995496"/>
+      </p:ext>
+    </p:extLst>
+  </p:cSld>
+  <p:clrMapOvr>
+    <a:masterClrMapping/>
+  </p:clrMapOvr>
+</p:notes>
+</file>
+
+<file path=ppt/notesSlides/notesSlide8.xml><?xml version="1.0" encoding="utf-8"?>
+<p:notes xmlns:a="http://schemas.openxmlformats.org/drawingml/2006/main" xmlns:r="http://schemas.openxmlformats.org/officeDocument/2006/relationships" xmlns:p="http://schemas.openxmlformats.org/presentationml/2006/main">
+  <p:cSld>
+    <p:spTree>
+      <p:nvGrpSpPr>
+        <p:cNvPr id="1" name=""/>
+        <p:cNvGrpSpPr/>
+        <p:nvPr/>
+      </p:nvGrpSpPr>
+      <p:grpSpPr>
+        <a:xfrm>
+          <a:off x="0" y="0"/>
+          <a:ext cx="0" cy="0"/>
+          <a:chOff x="0" y="0"/>
+          <a:chExt cx="0" cy="0"/>
+        </a:xfrm>
+      </p:grpSpPr>
+      <p:sp>
+        <p:nvSpPr>
+          <p:cNvPr id="2" name="Slide Image Placeholder 1"/>
+          <p:cNvSpPr>
+            <a:spLocks noGrp="1" noRot="1" noChangeAspect="1"/>
+          </p:cNvSpPr>
+          <p:nvPr>
+            <p:ph type="sldImg"/>
+          </p:nvPr>
+        </p:nvSpPr>
+        <p:spPr/>
+      </p:sp>
+      <p:sp>
+        <p:nvSpPr>
+          <p:cNvPr id="3" name="Notes Placeholder 2"/>
+          <p:cNvSpPr>
+            <a:spLocks noGrp="1"/>
+          </p:cNvSpPr>
+          <p:nvPr>
+            <p:ph type="body" idx="1"/>
+          </p:nvPr>
+        </p:nvSpPr>
+        <p:spPr/>
+        <p:txBody>
+          <a:bodyPr/>
+          <a:lstStyle/>
+          <a:p>
+            <a:r>
+              <a:rPr lang="en-US" dirty="0"/>
+              <a:t>See small increase in hedgehog treated 3T3 cells but at IC50 of 80 mM the </a:t>
+            </a:r>
+            <a:r>
+              <a:rPr lang="en-US" dirty="0" err="1"/>
+              <a:t>Gli</a:t>
+            </a:r>
+            <a:r>
+              <a:rPr lang="en-US" dirty="0"/>
+              <a:t> expression is low </a:t>
+            </a:r>
+          </a:p>
+          <a:p>
+            <a:r>
+              <a:rPr lang="en-US" dirty="0"/>
+              <a:t>BCC does not show much change with presence of inhibitor. </a:t>
+            </a:r>
+          </a:p>
+          <a:p>
+            <a:endParaRPr lang="en-US" dirty="0"/>
+          </a:p>
+        </p:txBody>
+      </p:sp>
+      <p:sp>
+        <p:nvSpPr>
+          <p:cNvPr id="4" name="Slide Number Placeholder 3"/>
+          <p:cNvSpPr>
+            <a:spLocks noGrp="1"/>
+          </p:cNvSpPr>
+          <p:nvPr>
+            <p:ph type="sldNum" sz="quarter" idx="5"/>
+          </p:nvPr>
+        </p:nvSpPr>
+        <p:spPr/>
+        <p:txBody>
+          <a:bodyPr/>
+          <a:lstStyle/>
+          <a:p>
+            <a:fld id="{C9C05CE2-C150-674A-BE68-EDFD3723B347}" type="slidenum">
+              <a:rPr lang="en-US" smtClean="0"/>
+              <a:t>13</a:t>
+            </a:fld>
+            <a:endParaRPr lang="en-US"/>
+          </a:p>
+        </p:txBody>
+      </p:sp>
+    </p:spTree>
+    <p:extLst>
+      <p:ext uri="{BB962C8B-B14F-4D97-AF65-F5344CB8AC3E}">
+        <p14:creationId xmlns:p14="http://schemas.microsoft.com/office/powerpoint/2010/main" val="170861689"/>
+      </p:ext>
+    </p:extLst>
+  </p:cSld>
+  <p:clrMapOvr>
+    <a:masterClrMapping/>
+  </p:clrMapOvr>
+</p:notes>
+</file>
+
+<file path=ppt/notesSlides/notesSlide9.xml><?xml version="1.0" encoding="utf-8"?>
+<p:notes xmlns:a="http://schemas.openxmlformats.org/drawingml/2006/main" xmlns:r="http://schemas.openxmlformats.org/officeDocument/2006/relationships" xmlns:p="http://schemas.openxmlformats.org/presentationml/2006/main">
+  <p:cSld>
+    <p:spTree>
+      <p:nvGrpSpPr>
+        <p:cNvPr id="1" name=""/>
+        <p:cNvGrpSpPr/>
+        <p:nvPr/>
+      </p:nvGrpSpPr>
+      <p:grpSpPr>
+        <a:xfrm>
+          <a:off x="0" y="0"/>
+          <a:ext cx="0" cy="0"/>
+          <a:chOff x="0" y="0"/>
+          <a:chExt cx="0" cy="0"/>
+        </a:xfrm>
+      </p:grpSpPr>
+      <p:sp>
+        <p:nvSpPr>
+          <p:cNvPr id="2" name="Slide Image Placeholder 1"/>
+          <p:cNvSpPr>
+            <a:spLocks noGrp="1" noRot="1" noChangeAspect="1"/>
+          </p:cNvSpPr>
+          <p:nvPr>
+            <p:ph type="sldImg"/>
+          </p:nvPr>
+        </p:nvSpPr>
+        <p:spPr/>
+      </p:sp>
+      <p:sp>
+        <p:nvSpPr>
+          <p:cNvPr id="3" name="Notes Placeholder 2"/>
+          <p:cNvSpPr>
+            <a:spLocks noGrp="1"/>
+          </p:cNvSpPr>
+          <p:nvPr>
+            <p:ph type="body" idx="1"/>
+          </p:nvPr>
+        </p:nvSpPr>
+        <p:spPr/>
+        <p:txBody>
+          <a:bodyPr/>
+          <a:lstStyle/>
+          <a:p>
+            <a:r>
+              <a:rPr lang="en-US" dirty="0"/>
+              <a:t>Measuring absorbance at 570 </a:t>
+            </a:r>
+            <a:r>
+              <a:rPr lang="en-US" dirty="0" err="1"/>
+              <a:t>nM</a:t>
+            </a:r>
+            <a:r>
+              <a:rPr lang="en-US" dirty="0"/>
+              <a:t> as a measure of BCC cell viability when treated with drug.</a:t>
+            </a:r>
+          </a:p>
+          <a:p>
+            <a:r>
+              <a:rPr lang="en-US" dirty="0"/>
+              <a:t>Comparing the blue line (diluent only) to the other lines we do not see significant change in the absorbance at 570 </a:t>
+            </a:r>
+            <a:r>
+              <a:rPr lang="en-US" dirty="0" err="1"/>
+              <a:t>nM.</a:t>
+            </a:r>
+            <a:r>
+              <a:rPr lang="en-US" dirty="0"/>
+              <a:t> Overall, do not see a significant effect on the cell viability for BCC cells when treated with inhibitor </a:t>
+            </a:r>
+          </a:p>
+          <a:p>
+            <a:endParaRPr lang="en-US" dirty="0"/>
+          </a:p>
+        </p:txBody>
+      </p:sp>
+      <p:sp>
+        <p:nvSpPr>
+          <p:cNvPr id="4" name="Slide Number Placeholder 3"/>
+          <p:cNvSpPr>
+            <a:spLocks noGrp="1"/>
+          </p:cNvSpPr>
+          <p:nvPr>
+            <p:ph type="sldNum" sz="quarter" idx="5"/>
+          </p:nvPr>
+        </p:nvSpPr>
+        <p:spPr/>
+        <p:txBody>
+          <a:bodyPr/>
+          <a:lstStyle/>
+          <a:p>
+            <a:fld id="{C9C05CE2-C150-674A-BE68-EDFD3723B347}" type="slidenum">
+              <a:rPr lang="en-US" smtClean="0"/>
+              <a:t>14</a:t>
+            </a:fld>
+            <a:endParaRPr lang="en-US"/>
+          </a:p>
+        </p:txBody>
+      </p:sp>
+    </p:spTree>
+    <p:extLst>
+      <p:ext uri="{BB962C8B-B14F-4D97-AF65-F5344CB8AC3E}">
+        <p14:creationId xmlns:p14="http://schemas.microsoft.com/office/powerpoint/2010/main" val="3179350395"/>
       </p:ext>
     </p:extLst>
   </p:cSld>
@@ -1647,7 +2574,7 @@
           <a:p>
             <a:fld id="{369A5FFD-9880-264A-8F5A-C32ED2B95863}" type="datetimeFigureOut">
               <a:rPr lang="en-US" smtClean="0"/>
-              <a:t>11/30/19</a:t>
+              <a:t>12/2/19</a:t>
             </a:fld>
             <a:endParaRPr lang="en-US"/>
           </a:p>
@@ -1845,7 +2772,7 @@
           <a:p>
             <a:fld id="{369A5FFD-9880-264A-8F5A-C32ED2B95863}" type="datetimeFigureOut">
               <a:rPr lang="en-US" smtClean="0"/>
-              <a:t>11/30/19</a:t>
+              <a:t>12/2/19</a:t>
             </a:fld>
             <a:endParaRPr lang="en-US"/>
           </a:p>
@@ -2053,7 +2980,7 @@
           <a:p>
             <a:fld id="{369A5FFD-9880-264A-8F5A-C32ED2B95863}" type="datetimeFigureOut">
               <a:rPr lang="en-US" smtClean="0"/>
-              <a:t>11/30/19</a:t>
+              <a:t>12/2/19</a:t>
             </a:fld>
             <a:endParaRPr lang="en-US"/>
           </a:p>
@@ -2251,7 +3178,7 @@
           <a:p>
             <a:fld id="{369A5FFD-9880-264A-8F5A-C32ED2B95863}" type="datetimeFigureOut">
               <a:rPr lang="en-US" smtClean="0"/>
-              <a:t>11/30/19</a:t>
+              <a:t>12/2/19</a:t>
             </a:fld>
             <a:endParaRPr lang="en-US"/>
           </a:p>
@@ -2526,7 +3453,7 @@
           <a:p>
             <a:fld id="{369A5FFD-9880-264A-8F5A-C32ED2B95863}" type="datetimeFigureOut">
               <a:rPr lang="en-US" smtClean="0"/>
-              <a:t>11/30/19</a:t>
+              <a:t>12/2/19</a:t>
             </a:fld>
             <a:endParaRPr lang="en-US"/>
           </a:p>
@@ -2791,7 +3718,7 @@
           <a:p>
             <a:fld id="{369A5FFD-9880-264A-8F5A-C32ED2B95863}" type="datetimeFigureOut">
               <a:rPr lang="en-US" smtClean="0"/>
-              <a:t>11/30/19</a:t>
+              <a:t>12/2/19</a:t>
             </a:fld>
             <a:endParaRPr lang="en-US"/>
           </a:p>
@@ -3203,7 +4130,7 @@
           <a:p>
             <a:fld id="{369A5FFD-9880-264A-8F5A-C32ED2B95863}" type="datetimeFigureOut">
               <a:rPr lang="en-US" smtClean="0"/>
-              <a:t>11/30/19</a:t>
+              <a:t>12/2/19</a:t>
             </a:fld>
             <a:endParaRPr lang="en-US"/>
           </a:p>
@@ -3344,7 +4271,7 @@
           <a:p>
             <a:fld id="{369A5FFD-9880-264A-8F5A-C32ED2B95863}" type="datetimeFigureOut">
               <a:rPr lang="en-US" smtClean="0"/>
-              <a:t>11/30/19</a:t>
+              <a:t>12/2/19</a:t>
             </a:fld>
             <a:endParaRPr lang="en-US"/>
           </a:p>
@@ -3457,7 +4384,7 @@
           <a:p>
             <a:fld id="{369A5FFD-9880-264A-8F5A-C32ED2B95863}" type="datetimeFigureOut">
               <a:rPr lang="en-US" smtClean="0"/>
-              <a:t>11/30/19</a:t>
+              <a:t>12/2/19</a:t>
             </a:fld>
             <a:endParaRPr lang="en-US"/>
           </a:p>
@@ -3768,7 +4695,7 @@
           <a:p>
             <a:fld id="{369A5FFD-9880-264A-8F5A-C32ED2B95863}" type="datetimeFigureOut">
               <a:rPr lang="en-US" smtClean="0"/>
-              <a:t>11/30/19</a:t>
+              <a:t>12/2/19</a:t>
             </a:fld>
             <a:endParaRPr lang="en-US"/>
           </a:p>
@@ -4056,7 +4983,7 @@
           <a:p>
             <a:fld id="{369A5FFD-9880-264A-8F5A-C32ED2B95863}" type="datetimeFigureOut">
               <a:rPr lang="en-US" smtClean="0"/>
-              <a:t>11/30/19</a:t>
+              <a:t>12/2/19</a:t>
             </a:fld>
             <a:endParaRPr lang="en-US"/>
           </a:p>
@@ -4297,7 +5224,7 @@
           <a:p>
             <a:fld id="{369A5FFD-9880-264A-8F5A-C32ED2B95863}" type="datetimeFigureOut">
               <a:rPr lang="en-US" smtClean="0"/>
-              <a:t>11/30/19</a:t>
+              <a:t>12/2/19</a:t>
             </a:fld>
             <a:endParaRPr lang="en-US"/>
           </a:p>
@@ -4840,15 +5767,19 @@
         </p:spPr>
         <p:txBody>
           <a:bodyPr>
-            <a:normAutofit/>
+            <a:normAutofit fontScale="90000"/>
           </a:bodyPr>
           <a:lstStyle/>
           <a:p>
             <a:r>
-              <a:rPr lang="en-US" b="1" dirty="0"/>
+              <a:rPr lang="en-US" b="1" dirty="0">
+                <a:latin typeface="Cambria" panose="02040503050406030204" pitchFamily="18" charset="0"/>
+              </a:rPr>
               <a:t>Role of kinases MAP2K1, PDHK and NEK1 on Hedgehog Signaling Activation</a:t>
             </a:r>
-            <a:endParaRPr lang="en-US" dirty="0"/>
+            <a:endParaRPr lang="en-US" dirty="0">
+              <a:latin typeface="Cambria" panose="02040503050406030204" pitchFamily="18" charset="0"/>
+            </a:endParaRPr>
           </a:p>
         </p:txBody>
       </p:sp>
@@ -4885,6 +5816,7 @@
                 <a:solidFill>
                   <a:srgbClr val="FFFFFF"/>
                 </a:solidFill>
+                <a:latin typeface="Cambria" panose="02040503050406030204" pitchFamily="18" charset="0"/>
               </a:rPr>
               <a:t>Paige Halas</a:t>
             </a:r>
@@ -4895,6 +5827,7 @@
                 <a:solidFill>
                   <a:srgbClr val="FFFFFF"/>
                 </a:solidFill>
+                <a:latin typeface="Cambria" panose="02040503050406030204" pitchFamily="18" charset="0"/>
               </a:rPr>
               <a:t>Atwood Lab Rotation Wrap Up</a:t>
             </a:r>
@@ -4905,6 +5838,7 @@
                 <a:solidFill>
                   <a:srgbClr val="FFFFFF"/>
                 </a:solidFill>
+                <a:latin typeface="Cambria" panose="02040503050406030204" pitchFamily="18" charset="0"/>
               </a:rPr>
               <a:t>December 6, 2019</a:t>
             </a:r>
@@ -4925,7 +5859,7 @@
 </file>
 
 <file path=ppt/slides/slide10.xml><?xml version="1.0" encoding="utf-8"?>
-<p:sld xmlns:a="http://schemas.openxmlformats.org/drawingml/2006/main" xmlns:r="http://schemas.openxmlformats.org/officeDocument/2006/relationships" xmlns:p="http://schemas.openxmlformats.org/presentationml/2006/main">
+<p:sld xmlns:a="http://schemas.openxmlformats.org/drawingml/2006/main" xmlns:r="http://schemas.openxmlformats.org/officeDocument/2006/relationships" xmlns:p="http://schemas.openxmlformats.org/presentationml/2006/main" show="0">
   <p:cSld>
     <p:spTree>
       <p:nvGrpSpPr>
@@ -4946,7 +5880,7 @@
           <p:cNvPr id="2" name="Title 1">
             <a:extLst>
               <a:ext uri="{FF2B5EF4-FFF2-40B4-BE49-F238E27FC236}">
-                <a16:creationId xmlns:a16="http://schemas.microsoft.com/office/drawing/2014/main" id="{13EFBC13-666D-AA4C-8DDF-B74F97B97B4D}"/>
+                <a16:creationId xmlns:a16="http://schemas.microsoft.com/office/drawing/2014/main" id="{D965F0E3-814B-0E42-84E5-7BD7366600EE}"/>
               </a:ext>
             </a:extLst>
           </p:cNvPr>
@@ -4965,8 +5899,10 @@
           <a:lstStyle/>
           <a:p>
             <a:r>
-              <a:rPr lang="en-US" dirty="0"/>
-              <a:t>PDHK Inhibition by Dichloroacetic Acid does not activate Hedgehog Signaling </a:t>
+              <a:rPr lang="en-US" sz="4000" dirty="0">
+                <a:latin typeface="Cambria" panose="02040503050406030204" pitchFamily="18" charset="0"/>
+              </a:rPr>
+              <a:t>MAP2K1/MEK1 inhibition does not impact Hedgehog Signaling Activation </a:t>
             </a:r>
           </a:p>
         </p:txBody>
@@ -4976,7 +5912,7 @@
           <p:cNvPr id="4" name="Picture 3" descr="A screenshot of a cell phone&#10;&#10;Description automatically generated">
             <a:extLst>
               <a:ext uri="{FF2B5EF4-FFF2-40B4-BE49-F238E27FC236}">
-                <a16:creationId xmlns:a16="http://schemas.microsoft.com/office/drawing/2014/main" id="{BBD42F0C-6837-B14F-95F0-ED2150FB5E32}"/>
+                <a16:creationId xmlns:a16="http://schemas.microsoft.com/office/drawing/2014/main" id="{E94755CC-ED4E-3748-AA21-018AD2C6EAEB}"/>
               </a:ext>
             </a:extLst>
           </p:cNvPr>
@@ -4984,20 +5920,20 @@
           <p:nvPr/>
         </p:nvPicPr>
         <p:blipFill rotWithShape="1">
-          <a:blip r:embed="rId2">
+          <a:blip r:embed="rId3">
             <a:extLst>
               <a:ext uri="{28A0092B-C50C-407E-A947-70E740481C1C}">
                 <a14:useLocalDpi xmlns:a14="http://schemas.microsoft.com/office/drawing/2010/main" val="0"/>
               </a:ext>
             </a:extLst>
           </a:blip>
-          <a:srcRect t="7232"/>
+          <a:srcRect t="7137"/>
           <a:stretch/>
         </p:blipFill>
         <p:spPr bwMode="auto">
           <a:xfrm>
-            <a:off x="372374" y="1932316"/>
-            <a:ext cx="5562600" cy="4433977"/>
+            <a:off x="237035" y="1962095"/>
+            <a:ext cx="5858965" cy="3990131"/>
           </a:xfrm>
           <a:prstGeom prst="rect">
             <a:avLst/>
@@ -5017,7 +5953,7 @@
           <p:cNvPr id="5" name="Picture 4" descr="A screenshot of a cell phone&#10;&#10;Description automatically generated">
             <a:extLst>
               <a:ext uri="{FF2B5EF4-FFF2-40B4-BE49-F238E27FC236}">
-                <a16:creationId xmlns:a16="http://schemas.microsoft.com/office/drawing/2014/main" id="{25EC163E-9129-7349-8BA9-C088EAD0136E}"/>
+                <a16:creationId xmlns:a16="http://schemas.microsoft.com/office/drawing/2014/main" id="{006EFD22-AD60-9241-9DA5-665191C78265}"/>
               </a:ext>
             </a:extLst>
           </p:cNvPr>
@@ -5025,20 +5961,20 @@
           <p:nvPr/>
         </p:nvPicPr>
         <p:blipFill rotWithShape="1">
-          <a:blip r:embed="rId3">
+          <a:blip r:embed="rId4">
             <a:extLst>
               <a:ext uri="{28A0092B-C50C-407E-A947-70E740481C1C}">
                 <a14:useLocalDpi xmlns:a14="http://schemas.microsoft.com/office/drawing/2010/main" val="0"/>
               </a:ext>
             </a:extLst>
           </a:blip>
-          <a:srcRect t="6008"/>
+          <a:srcRect t="7141"/>
           <a:stretch/>
         </p:blipFill>
         <p:spPr bwMode="auto">
           <a:xfrm>
-            <a:off x="5934974" y="2252258"/>
-            <a:ext cx="5418826" cy="4114035"/>
+            <a:off x="6544574" y="2329133"/>
+            <a:ext cx="5257800" cy="3623093"/>
           </a:xfrm>
           <a:prstGeom prst="rect">
             <a:avLst/>
@@ -5053,16 +5989,207 @@
           </a:extLst>
         </p:spPr>
       </p:pic>
+      <p:sp>
+        <p:nvSpPr>
+          <p:cNvPr id="3" name="TextBox 2">
+            <a:extLst>
+              <a:ext uri="{FF2B5EF4-FFF2-40B4-BE49-F238E27FC236}">
+                <a16:creationId xmlns:a16="http://schemas.microsoft.com/office/drawing/2014/main" id="{9FF7B9D8-B8D2-1F48-9EA3-BE98CF59DCDF}"/>
+              </a:ext>
+            </a:extLst>
+          </p:cNvPr>
+          <p:cNvSpPr txBox="1"/>
+          <p:nvPr/>
+        </p:nvSpPr>
+        <p:spPr>
+          <a:xfrm>
+            <a:off x="1212574" y="1731262"/>
+            <a:ext cx="3220278" cy="461665"/>
+          </a:xfrm>
+          <a:prstGeom prst="rect">
+            <a:avLst/>
+          </a:prstGeom>
+          <a:noFill/>
+        </p:spPr>
+        <p:txBody>
+          <a:bodyPr wrap="square" rtlCol="0">
+            <a:spAutoFit/>
+          </a:bodyPr>
+          <a:lstStyle/>
+          <a:p>
+            <a:pPr algn="ctr"/>
+            <a:r>
+              <a:rPr lang="en-US" sz="2400" b="1" dirty="0">
+                <a:latin typeface="Cambria" panose="02040503050406030204" pitchFamily="18" charset="0"/>
+              </a:rPr>
+              <a:t>Wild Type (3T3) </a:t>
+            </a:r>
+          </a:p>
+        </p:txBody>
+      </p:sp>
+      <p:sp>
+        <p:nvSpPr>
+          <p:cNvPr id="6" name="TextBox 5">
+            <a:extLst>
+              <a:ext uri="{FF2B5EF4-FFF2-40B4-BE49-F238E27FC236}">
+                <a16:creationId xmlns:a16="http://schemas.microsoft.com/office/drawing/2014/main" id="{83ED2A17-7968-384D-9F6B-DCD80FD9596F}"/>
+              </a:ext>
+            </a:extLst>
+          </p:cNvPr>
+          <p:cNvSpPr txBox="1"/>
+          <p:nvPr/>
+        </p:nvSpPr>
+        <p:spPr>
+          <a:xfrm>
+            <a:off x="7563335" y="1731261"/>
+            <a:ext cx="3220278" cy="461665"/>
+          </a:xfrm>
+          <a:prstGeom prst="rect">
+            <a:avLst/>
+          </a:prstGeom>
+          <a:noFill/>
+        </p:spPr>
+        <p:txBody>
+          <a:bodyPr wrap="square" rtlCol="0">
+            <a:spAutoFit/>
+          </a:bodyPr>
+          <a:lstStyle/>
+          <a:p>
+            <a:pPr algn="ctr"/>
+            <a:r>
+              <a:rPr lang="en-US" sz="2400" b="1" dirty="0">
+                <a:latin typeface="Cambria" panose="02040503050406030204" pitchFamily="18" charset="0"/>
+              </a:rPr>
+              <a:t>BCC </a:t>
+            </a:r>
+          </a:p>
+        </p:txBody>
+      </p:sp>
+      <p:sp>
+        <p:nvSpPr>
+          <p:cNvPr id="7" name="TextBox 6">
+            <a:extLst>
+              <a:ext uri="{FF2B5EF4-FFF2-40B4-BE49-F238E27FC236}">
+                <a16:creationId xmlns:a16="http://schemas.microsoft.com/office/drawing/2014/main" id="{0429D7A1-62BC-2348-85C4-8A225C7E2DDA}"/>
+              </a:ext>
+            </a:extLst>
+          </p:cNvPr>
+          <p:cNvSpPr txBox="1"/>
+          <p:nvPr/>
+        </p:nvSpPr>
+        <p:spPr>
+          <a:xfrm>
+            <a:off x="24504" y="6262042"/>
+            <a:ext cx="7017026" cy="461665"/>
+          </a:xfrm>
+          <a:prstGeom prst="rect">
+            <a:avLst/>
+          </a:prstGeom>
+          <a:noFill/>
+        </p:spPr>
+        <p:txBody>
+          <a:bodyPr wrap="square" rtlCol="0">
+            <a:spAutoFit/>
+          </a:bodyPr>
+          <a:lstStyle/>
+          <a:p>
+            <a:r>
+              <a:rPr lang="en-US" sz="2400" dirty="0">
+                <a:latin typeface="Cambria" panose="02040503050406030204" pitchFamily="18" charset="0"/>
+              </a:rPr>
+              <a:t>**MTT assay shows no impact on Cell Proliferation** </a:t>
+            </a:r>
+          </a:p>
+        </p:txBody>
+      </p:sp>
     </p:spTree>
     <p:extLst>
       <p:ext uri="{BB962C8B-B14F-4D97-AF65-F5344CB8AC3E}">
-        <p14:creationId xmlns:p14="http://schemas.microsoft.com/office/powerpoint/2010/main" val="523728283"/>
+        <p14:creationId xmlns:p14="http://schemas.microsoft.com/office/powerpoint/2010/main" val="2676741228"/>
       </p:ext>
     </p:extLst>
   </p:cSld>
   <p:clrMapOvr>
     <a:masterClrMapping/>
   </p:clrMapOvr>
+  <p:timing>
+    <p:tnLst>
+      <p:par>
+        <p:cTn id="1" dur="indefinite" restart="never" nodeType="tmRoot">
+          <p:childTnLst>
+            <p:seq concurrent="1" nextAc="seek">
+              <p:cTn id="2" dur="indefinite" nodeType="mainSeq">
+                <p:childTnLst>
+                  <p:par>
+                    <p:cTn id="3" fill="hold">
+                      <p:stCondLst>
+                        <p:cond delay="indefinite"/>
+                      </p:stCondLst>
+                      <p:childTnLst>
+                        <p:par>
+                          <p:cTn id="4" fill="hold">
+                            <p:stCondLst>
+                              <p:cond delay="0"/>
+                            </p:stCondLst>
+                            <p:childTnLst>
+                              <p:par>
+                                <p:cTn id="5" presetID="1" presetClass="entr" presetSubtype="0" fill="hold" grpId="0" nodeType="clickEffect">
+                                  <p:stCondLst>
+                                    <p:cond delay="0"/>
+                                  </p:stCondLst>
+                                  <p:childTnLst>
+                                    <p:set>
+                                      <p:cBhvr>
+                                        <p:cTn id="6" dur="1" fill="hold">
+                                          <p:stCondLst>
+                                            <p:cond delay="0"/>
+                                          </p:stCondLst>
+                                        </p:cTn>
+                                        <p:tgtEl>
+                                          <p:spTgt spid="7"/>
+                                        </p:tgtEl>
+                                        <p:attrNameLst>
+                                          <p:attrName>style.visibility</p:attrName>
+                                        </p:attrNameLst>
+                                      </p:cBhvr>
+                                      <p:to>
+                                        <p:strVal val="visible"/>
+                                      </p:to>
+                                    </p:set>
+                                  </p:childTnLst>
+                                </p:cTn>
+                              </p:par>
+                            </p:childTnLst>
+                          </p:cTn>
+                        </p:par>
+                      </p:childTnLst>
+                    </p:cTn>
+                  </p:par>
+                </p:childTnLst>
+              </p:cTn>
+              <p:prevCondLst>
+                <p:cond evt="onPrev" delay="0">
+                  <p:tgtEl>
+                    <p:sldTgt/>
+                  </p:tgtEl>
+                </p:cond>
+              </p:prevCondLst>
+              <p:nextCondLst>
+                <p:cond evt="onNext" delay="0">
+                  <p:tgtEl>
+                    <p:sldTgt/>
+                  </p:tgtEl>
+                </p:cond>
+              </p:nextCondLst>
+            </p:seq>
+          </p:childTnLst>
+        </p:cTn>
+      </p:par>
+    </p:tnLst>
+    <p:bldLst>
+      <p:bldP spid="7" grpId="0"/>
+    </p:bldLst>
+  </p:timing>
 </p:sld>
 </file>
 
@@ -5088,7 +6215,7 @@
           <p:cNvPr id="2" name="Title 1">
             <a:extLst>
               <a:ext uri="{FF2B5EF4-FFF2-40B4-BE49-F238E27FC236}">
-                <a16:creationId xmlns:a16="http://schemas.microsoft.com/office/drawing/2014/main" id="{DB7735EC-E493-BB4C-996F-D8C5E7120CD2}"/>
+                <a16:creationId xmlns:a16="http://schemas.microsoft.com/office/drawing/2014/main" id="{BD989734-C89B-4E47-B24E-B2E1FC3C0F4B}"/>
               </a:ext>
             </a:extLst>
           </p:cNvPr>
@@ -5102,13 +6229,15 @@
         <p:spPr/>
         <p:txBody>
           <a:bodyPr>
-            <a:normAutofit fontScale="90000"/>
+            <a:normAutofit/>
           </a:bodyPr>
           <a:lstStyle/>
           <a:p>
             <a:r>
-              <a:rPr lang="en-US" dirty="0"/>
-              <a:t>Treatment of BCC cells with PDHK inhibitor Dichloroacetic Acid does not affect cell survival</a:t>
+              <a:rPr lang="en-US" sz="4000" dirty="0">
+                <a:latin typeface="Cambria" panose="02040503050406030204" pitchFamily="18" charset="0"/>
+              </a:rPr>
+              <a:t>MAP2K1/MEK1 Affects Cell Proliferation at High Concentrations of Cobimetinib Inhibitor</a:t>
             </a:r>
           </a:p>
         </p:txBody>
@@ -5118,7 +6247,7 @@
           <p:cNvPr id="4" name="Picture 3">
             <a:extLst>
               <a:ext uri="{FF2B5EF4-FFF2-40B4-BE49-F238E27FC236}">
-                <a16:creationId xmlns:a16="http://schemas.microsoft.com/office/drawing/2014/main" id="{2F68FB62-34DF-AF4D-AB50-7833B5C19371}"/>
+                <a16:creationId xmlns:a16="http://schemas.microsoft.com/office/drawing/2014/main" id="{16E9747F-084A-5B40-A0B5-BB9CAACCE065}"/>
               </a:ext>
             </a:extLst>
           </p:cNvPr>
@@ -5126,7 +6255,659 @@
           <p:nvPr/>
         </p:nvPicPr>
         <p:blipFill rotWithShape="1">
-          <a:blip r:embed="rId2"/>
+          <a:blip r:embed="rId3"/>
+          <a:srcRect l="2591" t="18160" r="2542" b="3265"/>
+          <a:stretch/>
+        </p:blipFill>
+        <p:spPr bwMode="auto">
+          <a:xfrm>
+            <a:off x="1737660" y="1974803"/>
+            <a:ext cx="8300862" cy="4310851"/>
+          </a:xfrm>
+          <a:prstGeom prst="rect">
+            <a:avLst/>
+          </a:prstGeom>
+          <a:ln>
+            <a:noFill/>
+          </a:ln>
+          <a:extLst>
+            <a:ext uri="{53640926-AAD7-44D8-BBD7-CCE9431645EC}">
+              <a14:shadowObscured xmlns:a14="http://schemas.microsoft.com/office/drawing/2010/main"/>
+            </a:ext>
+          </a:extLst>
+        </p:spPr>
+      </p:pic>
+    </p:spTree>
+    <p:extLst>
+      <p:ext uri="{BB962C8B-B14F-4D97-AF65-F5344CB8AC3E}">
+        <p14:creationId xmlns:p14="http://schemas.microsoft.com/office/powerpoint/2010/main" val="3884143867"/>
+      </p:ext>
+    </p:extLst>
+  </p:cSld>
+  <p:clrMapOvr>
+    <a:masterClrMapping/>
+  </p:clrMapOvr>
+</p:sld>
+</file>
+
+<file path=ppt/slides/slide12.xml><?xml version="1.0" encoding="utf-8"?>
+<p:sld xmlns:a="http://schemas.openxmlformats.org/drawingml/2006/main" xmlns:r="http://schemas.openxmlformats.org/officeDocument/2006/relationships" xmlns:p="http://schemas.openxmlformats.org/presentationml/2006/main">
+  <p:cSld>
+    <p:spTree>
+      <p:nvGrpSpPr>
+        <p:cNvPr id="1" name=""/>
+        <p:cNvGrpSpPr/>
+        <p:nvPr/>
+      </p:nvGrpSpPr>
+      <p:grpSpPr>
+        <a:xfrm>
+          <a:off x="0" y="0"/>
+          <a:ext cx="0" cy="0"/>
+          <a:chOff x="0" y="0"/>
+          <a:chExt cx="0" cy="0"/>
+        </a:xfrm>
+      </p:grpSpPr>
+      <p:sp>
+        <p:nvSpPr>
+          <p:cNvPr id="2" name="Title 1">
+            <a:extLst>
+              <a:ext uri="{FF2B5EF4-FFF2-40B4-BE49-F238E27FC236}">
+                <a16:creationId xmlns:a16="http://schemas.microsoft.com/office/drawing/2014/main" id="{13EFBC13-666D-AA4C-8DDF-B74F97B97B4D}"/>
+              </a:ext>
+            </a:extLst>
+          </p:cNvPr>
+          <p:cNvSpPr>
+            <a:spLocks noGrp="1"/>
+          </p:cNvSpPr>
+          <p:nvPr>
+            <p:ph type="title"/>
+          </p:nvPr>
+        </p:nvSpPr>
+        <p:spPr/>
+        <p:txBody>
+          <a:bodyPr>
+            <a:normAutofit/>
+          </a:bodyPr>
+          <a:lstStyle/>
+          <a:p>
+            <a:r>
+              <a:rPr lang="en-US" dirty="0">
+                <a:latin typeface="Cambria" panose="02040503050406030204" pitchFamily="18" charset="0"/>
+              </a:rPr>
+              <a:t>PDHK Inhibition by Dichloroacetic Acid does not activate Hedgehog Signaling </a:t>
+            </a:r>
+          </a:p>
+        </p:txBody>
+      </p:sp>
+      <p:pic>
+        <p:nvPicPr>
+          <p:cNvPr id="4" name="Picture 3" descr="A screenshot of a cell phone&#10;&#10;Description automatically generated">
+            <a:extLst>
+              <a:ext uri="{FF2B5EF4-FFF2-40B4-BE49-F238E27FC236}">
+                <a16:creationId xmlns:a16="http://schemas.microsoft.com/office/drawing/2014/main" id="{BBD42F0C-6837-B14F-95F0-ED2150FB5E32}"/>
+              </a:ext>
+            </a:extLst>
+          </p:cNvPr>
+          <p:cNvPicPr/>
+          <p:nvPr/>
+        </p:nvPicPr>
+        <p:blipFill rotWithShape="1">
+          <a:blip r:embed="rId3">
+            <a:extLst>
+              <a:ext uri="{28A0092B-C50C-407E-A947-70E740481C1C}">
+                <a14:useLocalDpi xmlns:a14="http://schemas.microsoft.com/office/drawing/2010/main" val="0"/>
+              </a:ext>
+            </a:extLst>
+          </a:blip>
+          <a:srcRect t="7232"/>
+          <a:stretch/>
+        </p:blipFill>
+        <p:spPr bwMode="auto">
+          <a:xfrm>
+            <a:off x="372374" y="2093501"/>
+            <a:ext cx="5884654" cy="4675605"/>
+          </a:xfrm>
+          <a:prstGeom prst="rect">
+            <a:avLst/>
+          </a:prstGeom>
+          <a:ln>
+            <a:noFill/>
+          </a:ln>
+          <a:extLst>
+            <a:ext uri="{53640926-AAD7-44D8-BBD7-CCE9431645EC}">
+              <a14:shadowObscured xmlns:a14="http://schemas.microsoft.com/office/drawing/2010/main"/>
+            </a:ext>
+          </a:extLst>
+        </p:spPr>
+      </p:pic>
+      <p:pic>
+        <p:nvPicPr>
+          <p:cNvPr id="5" name="Picture 4" descr="A screenshot of a cell phone&#10;&#10;Description automatically generated">
+            <a:extLst>
+              <a:ext uri="{FF2B5EF4-FFF2-40B4-BE49-F238E27FC236}">
+                <a16:creationId xmlns:a16="http://schemas.microsoft.com/office/drawing/2014/main" id="{25EC163E-9129-7349-8BA9-C088EAD0136E}"/>
+              </a:ext>
+            </a:extLst>
+          </p:cNvPr>
+          <p:cNvPicPr/>
+          <p:nvPr/>
+        </p:nvPicPr>
+        <p:blipFill rotWithShape="1">
+          <a:blip r:embed="rId4">
+            <a:extLst>
+              <a:ext uri="{28A0092B-C50C-407E-A947-70E740481C1C}">
+                <a14:useLocalDpi xmlns:a14="http://schemas.microsoft.com/office/drawing/2010/main" val="0"/>
+              </a:ext>
+            </a:extLst>
+          </a:blip>
+          <a:srcRect t="6008"/>
+          <a:stretch/>
+        </p:blipFill>
+        <p:spPr bwMode="auto">
+          <a:xfrm>
+            <a:off x="6257028" y="2748474"/>
+            <a:ext cx="5096772" cy="4000780"/>
+          </a:xfrm>
+          <a:prstGeom prst="rect">
+            <a:avLst/>
+          </a:prstGeom>
+          <a:ln>
+            <a:noFill/>
+          </a:ln>
+          <a:extLst>
+            <a:ext uri="{53640926-AAD7-44D8-BBD7-CCE9431645EC}">
+              <a14:shadowObscured xmlns:a14="http://schemas.microsoft.com/office/drawing/2010/main"/>
+            </a:ext>
+          </a:extLst>
+        </p:spPr>
+      </p:pic>
+      <p:sp>
+        <p:nvSpPr>
+          <p:cNvPr id="6" name="TextBox 5">
+            <a:extLst>
+              <a:ext uri="{FF2B5EF4-FFF2-40B4-BE49-F238E27FC236}">
+                <a16:creationId xmlns:a16="http://schemas.microsoft.com/office/drawing/2014/main" id="{60F540D2-F083-CC4D-A2A9-E490F66BA181}"/>
+              </a:ext>
+            </a:extLst>
+          </p:cNvPr>
+          <p:cNvSpPr txBox="1"/>
+          <p:nvPr/>
+        </p:nvSpPr>
+        <p:spPr>
+          <a:xfrm>
+            <a:off x="1192697" y="1878305"/>
+            <a:ext cx="3220278" cy="461665"/>
+          </a:xfrm>
+          <a:prstGeom prst="rect">
+            <a:avLst/>
+          </a:prstGeom>
+          <a:noFill/>
+        </p:spPr>
+        <p:txBody>
+          <a:bodyPr wrap="square" rtlCol="0">
+            <a:spAutoFit/>
+          </a:bodyPr>
+          <a:lstStyle/>
+          <a:p>
+            <a:pPr algn="ctr"/>
+            <a:r>
+              <a:rPr lang="en-US" sz="2400" b="1" dirty="0">
+                <a:latin typeface="Cambria" panose="02040503050406030204" pitchFamily="18" charset="0"/>
+              </a:rPr>
+              <a:t>Wild Type (3T3) </a:t>
+            </a:r>
+          </a:p>
+        </p:txBody>
+      </p:sp>
+      <p:sp>
+        <p:nvSpPr>
+          <p:cNvPr id="7" name="TextBox 6">
+            <a:extLst>
+              <a:ext uri="{FF2B5EF4-FFF2-40B4-BE49-F238E27FC236}">
+                <a16:creationId xmlns:a16="http://schemas.microsoft.com/office/drawing/2014/main" id="{D4DE0599-75C7-784E-B851-667ECD43A7F9}"/>
+              </a:ext>
+            </a:extLst>
+          </p:cNvPr>
+          <p:cNvSpPr txBox="1"/>
+          <p:nvPr/>
+        </p:nvSpPr>
+        <p:spPr>
+          <a:xfrm>
+            <a:off x="7424877" y="1884589"/>
+            <a:ext cx="3220278" cy="461665"/>
+          </a:xfrm>
+          <a:prstGeom prst="rect">
+            <a:avLst/>
+          </a:prstGeom>
+          <a:noFill/>
+        </p:spPr>
+        <p:txBody>
+          <a:bodyPr wrap="square" rtlCol="0">
+            <a:spAutoFit/>
+          </a:bodyPr>
+          <a:lstStyle/>
+          <a:p>
+            <a:pPr algn="ctr"/>
+            <a:r>
+              <a:rPr lang="en-US" sz="2400" b="1" dirty="0">
+                <a:latin typeface="Cambria" panose="02040503050406030204" pitchFamily="18" charset="0"/>
+              </a:rPr>
+              <a:t>BCC  </a:t>
+            </a:r>
+          </a:p>
+        </p:txBody>
+      </p:sp>
+    </p:spTree>
+    <p:extLst>
+      <p:ext uri="{BB962C8B-B14F-4D97-AF65-F5344CB8AC3E}">
+        <p14:creationId xmlns:p14="http://schemas.microsoft.com/office/powerpoint/2010/main" val="523728283"/>
+      </p:ext>
+    </p:extLst>
+  </p:cSld>
+  <p:clrMapOvr>
+    <a:masterClrMapping/>
+  </p:clrMapOvr>
+</p:sld>
+</file>
+
+<file path=ppt/slides/slide13.xml><?xml version="1.0" encoding="utf-8"?>
+<p:sld xmlns:a="http://schemas.openxmlformats.org/drawingml/2006/main" xmlns:r="http://schemas.openxmlformats.org/officeDocument/2006/relationships" xmlns:p="http://schemas.openxmlformats.org/presentationml/2006/main" show="0">
+  <p:cSld>
+    <p:spTree>
+      <p:nvGrpSpPr>
+        <p:cNvPr id="1" name=""/>
+        <p:cNvGrpSpPr/>
+        <p:nvPr/>
+      </p:nvGrpSpPr>
+      <p:grpSpPr>
+        <a:xfrm>
+          <a:off x="0" y="0"/>
+          <a:ext cx="0" cy="0"/>
+          <a:chOff x="0" y="0"/>
+          <a:chExt cx="0" cy="0"/>
+        </a:xfrm>
+      </p:grpSpPr>
+      <p:sp>
+        <p:nvSpPr>
+          <p:cNvPr id="2" name="Title 1">
+            <a:extLst>
+              <a:ext uri="{FF2B5EF4-FFF2-40B4-BE49-F238E27FC236}">
+                <a16:creationId xmlns:a16="http://schemas.microsoft.com/office/drawing/2014/main" id="{13EFBC13-666D-AA4C-8DDF-B74F97B97B4D}"/>
+              </a:ext>
+            </a:extLst>
+          </p:cNvPr>
+          <p:cNvSpPr>
+            <a:spLocks noGrp="1"/>
+          </p:cNvSpPr>
+          <p:nvPr>
+            <p:ph type="title"/>
+          </p:nvPr>
+        </p:nvSpPr>
+        <p:spPr/>
+        <p:txBody>
+          <a:bodyPr>
+            <a:normAutofit/>
+          </a:bodyPr>
+          <a:lstStyle/>
+          <a:p>
+            <a:r>
+              <a:rPr lang="en-US" dirty="0">
+                <a:latin typeface="Cambria" panose="02040503050406030204" pitchFamily="18" charset="0"/>
+              </a:rPr>
+              <a:t>PDHK Inhibition by Dichloroacetic Acid does not activate Hedgehog Signaling </a:t>
+            </a:r>
+          </a:p>
+        </p:txBody>
+      </p:sp>
+      <p:pic>
+        <p:nvPicPr>
+          <p:cNvPr id="4" name="Picture 3" descr="A screenshot of a cell phone&#10;&#10;Description automatically generated">
+            <a:extLst>
+              <a:ext uri="{FF2B5EF4-FFF2-40B4-BE49-F238E27FC236}">
+                <a16:creationId xmlns:a16="http://schemas.microsoft.com/office/drawing/2014/main" id="{BBD42F0C-6837-B14F-95F0-ED2150FB5E32}"/>
+              </a:ext>
+            </a:extLst>
+          </p:cNvPr>
+          <p:cNvPicPr/>
+          <p:nvPr/>
+        </p:nvPicPr>
+        <p:blipFill rotWithShape="1">
+          <a:blip r:embed="rId3">
+            <a:extLst>
+              <a:ext uri="{28A0092B-C50C-407E-A947-70E740481C1C}">
+                <a14:useLocalDpi xmlns:a14="http://schemas.microsoft.com/office/drawing/2010/main" val="0"/>
+              </a:ext>
+            </a:extLst>
+          </a:blip>
+          <a:srcRect t="7232"/>
+          <a:stretch/>
+        </p:blipFill>
+        <p:spPr bwMode="auto">
+          <a:xfrm>
+            <a:off x="412130" y="2007584"/>
+            <a:ext cx="5683870" cy="4338192"/>
+          </a:xfrm>
+          <a:prstGeom prst="rect">
+            <a:avLst/>
+          </a:prstGeom>
+          <a:ln>
+            <a:noFill/>
+          </a:ln>
+          <a:extLst>
+            <a:ext uri="{53640926-AAD7-44D8-BBD7-CCE9431645EC}">
+              <a14:shadowObscured xmlns:a14="http://schemas.microsoft.com/office/drawing/2010/main"/>
+            </a:ext>
+          </a:extLst>
+        </p:spPr>
+      </p:pic>
+      <p:pic>
+        <p:nvPicPr>
+          <p:cNvPr id="5" name="Picture 4" descr="A screenshot of a cell phone&#10;&#10;Description automatically generated">
+            <a:extLst>
+              <a:ext uri="{FF2B5EF4-FFF2-40B4-BE49-F238E27FC236}">
+                <a16:creationId xmlns:a16="http://schemas.microsoft.com/office/drawing/2014/main" id="{25EC163E-9129-7349-8BA9-C088EAD0136E}"/>
+              </a:ext>
+            </a:extLst>
+          </p:cNvPr>
+          <p:cNvPicPr/>
+          <p:nvPr/>
+        </p:nvPicPr>
+        <p:blipFill rotWithShape="1">
+          <a:blip r:embed="rId4">
+            <a:extLst>
+              <a:ext uri="{28A0092B-C50C-407E-A947-70E740481C1C}">
+                <a14:useLocalDpi xmlns:a14="http://schemas.microsoft.com/office/drawing/2010/main" val="0"/>
+              </a:ext>
+            </a:extLst>
+          </a:blip>
+          <a:srcRect t="6008"/>
+          <a:stretch/>
+        </p:blipFill>
+        <p:spPr bwMode="auto">
+          <a:xfrm>
+            <a:off x="6527041" y="2344995"/>
+            <a:ext cx="5096772" cy="4000780"/>
+          </a:xfrm>
+          <a:prstGeom prst="rect">
+            <a:avLst/>
+          </a:prstGeom>
+          <a:ln>
+            <a:noFill/>
+          </a:ln>
+          <a:extLst>
+            <a:ext uri="{53640926-AAD7-44D8-BBD7-CCE9431645EC}">
+              <a14:shadowObscured xmlns:a14="http://schemas.microsoft.com/office/drawing/2010/main"/>
+            </a:ext>
+          </a:extLst>
+        </p:spPr>
+      </p:pic>
+      <p:sp>
+        <p:nvSpPr>
+          <p:cNvPr id="6" name="TextBox 5">
+            <a:extLst>
+              <a:ext uri="{FF2B5EF4-FFF2-40B4-BE49-F238E27FC236}">
+                <a16:creationId xmlns:a16="http://schemas.microsoft.com/office/drawing/2014/main" id="{60F540D2-F083-CC4D-A2A9-E490F66BA181}"/>
+              </a:ext>
+            </a:extLst>
+          </p:cNvPr>
+          <p:cNvSpPr txBox="1"/>
+          <p:nvPr/>
+        </p:nvSpPr>
+        <p:spPr>
+          <a:xfrm>
+            <a:off x="1152940" y="1664278"/>
+            <a:ext cx="3220278" cy="461665"/>
+          </a:xfrm>
+          <a:prstGeom prst="rect">
+            <a:avLst/>
+          </a:prstGeom>
+          <a:noFill/>
+        </p:spPr>
+        <p:txBody>
+          <a:bodyPr wrap="square" rtlCol="0">
+            <a:spAutoFit/>
+          </a:bodyPr>
+          <a:lstStyle/>
+          <a:p>
+            <a:pPr algn="ctr"/>
+            <a:r>
+              <a:rPr lang="en-US" sz="2400" b="1" dirty="0">
+                <a:latin typeface="Cambria" panose="02040503050406030204" pitchFamily="18" charset="0"/>
+              </a:rPr>
+              <a:t>Wild Type (3T3) </a:t>
+            </a:r>
+          </a:p>
+        </p:txBody>
+      </p:sp>
+      <p:sp>
+        <p:nvSpPr>
+          <p:cNvPr id="7" name="TextBox 6">
+            <a:extLst>
+              <a:ext uri="{FF2B5EF4-FFF2-40B4-BE49-F238E27FC236}">
+                <a16:creationId xmlns:a16="http://schemas.microsoft.com/office/drawing/2014/main" id="{D4DE0599-75C7-784E-B851-667ECD43A7F9}"/>
+              </a:ext>
+            </a:extLst>
+          </p:cNvPr>
+          <p:cNvSpPr txBox="1"/>
+          <p:nvPr/>
+        </p:nvSpPr>
+        <p:spPr>
+          <a:xfrm>
+            <a:off x="7465288" y="1652496"/>
+            <a:ext cx="3220278" cy="461665"/>
+          </a:xfrm>
+          <a:prstGeom prst="rect">
+            <a:avLst/>
+          </a:prstGeom>
+          <a:noFill/>
+        </p:spPr>
+        <p:txBody>
+          <a:bodyPr wrap="square" rtlCol="0">
+            <a:spAutoFit/>
+          </a:bodyPr>
+          <a:lstStyle/>
+          <a:p>
+            <a:pPr algn="ctr"/>
+            <a:r>
+              <a:rPr lang="en-US" sz="2400" b="1" dirty="0">
+                <a:latin typeface="Cambria" panose="02040503050406030204" pitchFamily="18" charset="0"/>
+              </a:rPr>
+              <a:t>BCC</a:t>
+            </a:r>
+          </a:p>
+        </p:txBody>
+      </p:sp>
+      <p:sp>
+        <p:nvSpPr>
+          <p:cNvPr id="8" name="TextBox 7">
+            <a:extLst>
+              <a:ext uri="{FF2B5EF4-FFF2-40B4-BE49-F238E27FC236}">
+                <a16:creationId xmlns:a16="http://schemas.microsoft.com/office/drawing/2014/main" id="{57AA8472-E667-FD4C-A056-95ED216584F4}"/>
+              </a:ext>
+            </a:extLst>
+          </p:cNvPr>
+          <p:cNvSpPr txBox="1"/>
+          <p:nvPr/>
+        </p:nvSpPr>
+        <p:spPr>
+          <a:xfrm>
+            <a:off x="0" y="6345775"/>
+            <a:ext cx="7017026" cy="461665"/>
+          </a:xfrm>
+          <a:prstGeom prst="rect">
+            <a:avLst/>
+          </a:prstGeom>
+          <a:noFill/>
+        </p:spPr>
+        <p:txBody>
+          <a:bodyPr wrap="square" rtlCol="0">
+            <a:spAutoFit/>
+          </a:bodyPr>
+          <a:lstStyle/>
+          <a:p>
+            <a:r>
+              <a:rPr lang="en-US" sz="2400" dirty="0">
+                <a:latin typeface="Cambria" panose="02040503050406030204" pitchFamily="18" charset="0"/>
+              </a:rPr>
+              <a:t>**MTT assay shows no impact on Cell Proliferation** </a:t>
+            </a:r>
+          </a:p>
+        </p:txBody>
+      </p:sp>
+    </p:spTree>
+    <p:extLst>
+      <p:ext uri="{BB962C8B-B14F-4D97-AF65-F5344CB8AC3E}">
+        <p14:creationId xmlns:p14="http://schemas.microsoft.com/office/powerpoint/2010/main" val="42159060"/>
+      </p:ext>
+    </p:extLst>
+  </p:cSld>
+  <p:clrMapOvr>
+    <a:masterClrMapping/>
+  </p:clrMapOvr>
+  <p:timing>
+    <p:tnLst>
+      <p:par>
+        <p:cTn id="1" dur="indefinite" restart="never" nodeType="tmRoot">
+          <p:childTnLst>
+            <p:seq concurrent="1" nextAc="seek">
+              <p:cTn id="2" dur="indefinite" nodeType="mainSeq">
+                <p:childTnLst>
+                  <p:par>
+                    <p:cTn id="3" fill="hold">
+                      <p:stCondLst>
+                        <p:cond delay="indefinite"/>
+                      </p:stCondLst>
+                      <p:childTnLst>
+                        <p:par>
+                          <p:cTn id="4" fill="hold">
+                            <p:stCondLst>
+                              <p:cond delay="0"/>
+                            </p:stCondLst>
+                            <p:childTnLst>
+                              <p:par>
+                                <p:cTn id="5" presetID="1" presetClass="entr" presetSubtype="0" fill="hold" grpId="0" nodeType="clickEffect">
+                                  <p:stCondLst>
+                                    <p:cond delay="0"/>
+                                  </p:stCondLst>
+                                  <p:childTnLst>
+                                    <p:set>
+                                      <p:cBhvr>
+                                        <p:cTn id="6" dur="1" fill="hold">
+                                          <p:stCondLst>
+                                            <p:cond delay="0"/>
+                                          </p:stCondLst>
+                                        </p:cTn>
+                                        <p:tgtEl>
+                                          <p:spTgt spid="8"/>
+                                        </p:tgtEl>
+                                        <p:attrNameLst>
+                                          <p:attrName>style.visibility</p:attrName>
+                                        </p:attrNameLst>
+                                      </p:cBhvr>
+                                      <p:to>
+                                        <p:strVal val="visible"/>
+                                      </p:to>
+                                    </p:set>
+                                  </p:childTnLst>
+                                </p:cTn>
+                              </p:par>
+                            </p:childTnLst>
+                          </p:cTn>
+                        </p:par>
+                      </p:childTnLst>
+                    </p:cTn>
+                  </p:par>
+                </p:childTnLst>
+              </p:cTn>
+              <p:prevCondLst>
+                <p:cond evt="onPrev" delay="0">
+                  <p:tgtEl>
+                    <p:sldTgt/>
+                  </p:tgtEl>
+                </p:cond>
+              </p:prevCondLst>
+              <p:nextCondLst>
+                <p:cond evt="onNext" delay="0">
+                  <p:tgtEl>
+                    <p:sldTgt/>
+                  </p:tgtEl>
+                </p:cond>
+              </p:nextCondLst>
+            </p:seq>
+          </p:childTnLst>
+        </p:cTn>
+      </p:par>
+    </p:tnLst>
+    <p:bldLst>
+      <p:bldP spid="8" grpId="0"/>
+    </p:bldLst>
+  </p:timing>
+</p:sld>
+</file>
+
+<file path=ppt/slides/slide14.xml><?xml version="1.0" encoding="utf-8"?>
+<p:sld xmlns:a="http://schemas.openxmlformats.org/drawingml/2006/main" xmlns:r="http://schemas.openxmlformats.org/officeDocument/2006/relationships" xmlns:p="http://schemas.openxmlformats.org/presentationml/2006/main">
+  <p:cSld>
+    <p:spTree>
+      <p:nvGrpSpPr>
+        <p:cNvPr id="1" name=""/>
+        <p:cNvGrpSpPr/>
+        <p:nvPr/>
+      </p:nvGrpSpPr>
+      <p:grpSpPr>
+        <a:xfrm>
+          <a:off x="0" y="0"/>
+          <a:ext cx="0" cy="0"/>
+          <a:chOff x="0" y="0"/>
+          <a:chExt cx="0" cy="0"/>
+        </a:xfrm>
+      </p:grpSpPr>
+      <p:sp>
+        <p:nvSpPr>
+          <p:cNvPr id="2" name="Title 1">
+            <a:extLst>
+              <a:ext uri="{FF2B5EF4-FFF2-40B4-BE49-F238E27FC236}">
+                <a16:creationId xmlns:a16="http://schemas.microsoft.com/office/drawing/2014/main" id="{DB7735EC-E493-BB4C-996F-D8C5E7120CD2}"/>
+              </a:ext>
+            </a:extLst>
+          </p:cNvPr>
+          <p:cNvSpPr>
+            <a:spLocks noGrp="1"/>
+          </p:cNvSpPr>
+          <p:nvPr>
+            <p:ph type="title"/>
+          </p:nvPr>
+        </p:nvSpPr>
+        <p:spPr/>
+        <p:txBody>
+          <a:bodyPr>
+            <a:normAutofit fontScale="90000"/>
+          </a:bodyPr>
+          <a:lstStyle/>
+          <a:p>
+            <a:r>
+              <a:rPr lang="en-US" dirty="0">
+                <a:latin typeface="Cambria" panose="02040503050406030204" pitchFamily="18" charset="0"/>
+              </a:rPr>
+              <a:t>Treatment of BCC cells with PDHK inhibitor Dichloroacetic Acid does not affect cell survival</a:t>
+            </a:r>
+          </a:p>
+        </p:txBody>
+      </p:sp>
+      <p:pic>
+        <p:nvPicPr>
+          <p:cNvPr id="4" name="Picture 3">
+            <a:extLst>
+              <a:ext uri="{FF2B5EF4-FFF2-40B4-BE49-F238E27FC236}">
+                <a16:creationId xmlns:a16="http://schemas.microsoft.com/office/drawing/2014/main" id="{2F68FB62-34DF-AF4D-AB50-7833B5C19371}"/>
+              </a:ext>
+            </a:extLst>
+          </p:cNvPr>
+          <p:cNvPicPr/>
+          <p:nvPr/>
+        </p:nvPicPr>
+        <p:blipFill rotWithShape="1">
+          <a:blip r:embed="rId3"/>
           <a:srcRect l="2454" t="22962" r="4262" b="3025"/>
           <a:stretch/>
         </p:blipFill>
@@ -5161,7 +6942,7 @@
 </p:sld>
 </file>
 
-<file path=ppt/slides/slide12.xml><?xml version="1.0" encoding="utf-8"?>
+<file path=ppt/slides/slide15.xml><?xml version="1.0" encoding="utf-8"?>
 <p:sld xmlns:a="http://schemas.openxmlformats.org/drawingml/2006/main" xmlns:r="http://schemas.openxmlformats.org/officeDocument/2006/relationships" xmlns:p="http://schemas.openxmlformats.org/presentationml/2006/main">
   <p:cSld>
     <p:spTree>
@@ -5231,6 +7012,78 @@
           </a:p>
         </p:txBody>
       </p:sp>
+      <p:sp>
+        <p:nvSpPr>
+          <p:cNvPr id="4" name="TextBox 3">
+            <a:extLst>
+              <a:ext uri="{FF2B5EF4-FFF2-40B4-BE49-F238E27FC236}">
+                <a16:creationId xmlns:a16="http://schemas.microsoft.com/office/drawing/2014/main" id="{C9C8C975-C3C7-A54E-B5FD-C0CC2A1ADFAA}"/>
+              </a:ext>
+            </a:extLst>
+          </p:cNvPr>
+          <p:cNvSpPr txBox="1"/>
+          <p:nvPr/>
+        </p:nvSpPr>
+        <p:spPr>
+          <a:xfrm>
+            <a:off x="1053549" y="6289627"/>
+            <a:ext cx="3220278" cy="461665"/>
+          </a:xfrm>
+          <a:prstGeom prst="rect">
+            <a:avLst/>
+          </a:prstGeom>
+          <a:noFill/>
+        </p:spPr>
+        <p:txBody>
+          <a:bodyPr wrap="square" rtlCol="0">
+            <a:spAutoFit/>
+          </a:bodyPr>
+          <a:lstStyle/>
+          <a:p>
+            <a:pPr algn="ctr"/>
+            <a:r>
+              <a:rPr lang="en-US" sz="2400" b="1" dirty="0"/>
+              <a:t>Wild Type (3T3) </a:t>
+            </a:r>
+          </a:p>
+        </p:txBody>
+      </p:sp>
+      <p:sp>
+        <p:nvSpPr>
+          <p:cNvPr id="5" name="TextBox 4">
+            <a:extLst>
+              <a:ext uri="{FF2B5EF4-FFF2-40B4-BE49-F238E27FC236}">
+                <a16:creationId xmlns:a16="http://schemas.microsoft.com/office/drawing/2014/main" id="{E9D171B3-AB31-D741-953C-F590FA529D19}"/>
+              </a:ext>
+            </a:extLst>
+          </p:cNvPr>
+          <p:cNvSpPr txBox="1"/>
+          <p:nvPr/>
+        </p:nvSpPr>
+        <p:spPr>
+          <a:xfrm>
+            <a:off x="7918173" y="6262042"/>
+            <a:ext cx="3220278" cy="461665"/>
+          </a:xfrm>
+          <a:prstGeom prst="rect">
+            <a:avLst/>
+          </a:prstGeom>
+          <a:noFill/>
+        </p:spPr>
+        <p:txBody>
+          <a:bodyPr wrap="square" rtlCol="0">
+            <a:spAutoFit/>
+          </a:bodyPr>
+          <a:lstStyle/>
+          <a:p>
+            <a:pPr algn="ctr"/>
+            <a:r>
+              <a:rPr lang="en-US" sz="2400" b="1" dirty="0"/>
+              <a:t>BCC </a:t>
+            </a:r>
+          </a:p>
+        </p:txBody>
+      </p:sp>
     </p:spTree>
     <p:extLst>
       <p:ext uri="{BB962C8B-B14F-4D97-AF65-F5344CB8AC3E}">
@@ -5244,7 +7097,275 @@
 </p:sld>
 </file>
 
-<file path=ppt/slides/slide13.xml><?xml version="1.0" encoding="utf-8"?>
+<file path=ppt/slides/slide16.xml><?xml version="1.0" encoding="utf-8"?>
+<p:sld xmlns:a="http://schemas.openxmlformats.org/drawingml/2006/main" xmlns:r="http://schemas.openxmlformats.org/officeDocument/2006/relationships" xmlns:p="http://schemas.openxmlformats.org/presentationml/2006/main" show="0">
+  <p:cSld>
+    <p:spTree>
+      <p:nvGrpSpPr>
+        <p:cNvPr id="1" name=""/>
+        <p:cNvGrpSpPr/>
+        <p:nvPr/>
+      </p:nvGrpSpPr>
+      <p:grpSpPr>
+        <a:xfrm>
+          <a:off x="0" y="0"/>
+          <a:ext cx="0" cy="0"/>
+          <a:chOff x="0" y="0"/>
+          <a:chExt cx="0" cy="0"/>
+        </a:xfrm>
+      </p:grpSpPr>
+      <p:sp>
+        <p:nvSpPr>
+          <p:cNvPr id="2" name="Title 1">
+            <a:extLst>
+              <a:ext uri="{FF2B5EF4-FFF2-40B4-BE49-F238E27FC236}">
+                <a16:creationId xmlns:a16="http://schemas.microsoft.com/office/drawing/2014/main" id="{9A83CFF1-8C36-C945-9800-E8B4E9D51284}"/>
+              </a:ext>
+            </a:extLst>
+          </p:cNvPr>
+          <p:cNvSpPr>
+            <a:spLocks noGrp="1"/>
+          </p:cNvSpPr>
+          <p:nvPr>
+            <p:ph type="title"/>
+          </p:nvPr>
+        </p:nvSpPr>
+        <p:spPr/>
+        <p:txBody>
+          <a:bodyPr/>
+          <a:lstStyle/>
+          <a:p>
+            <a:r>
+              <a:rPr lang="en-US" dirty="0"/>
+              <a:t>Zinc qPCR</a:t>
+            </a:r>
+          </a:p>
+        </p:txBody>
+      </p:sp>
+      <p:sp>
+        <p:nvSpPr>
+          <p:cNvPr id="3" name="Content Placeholder 2">
+            <a:extLst>
+              <a:ext uri="{FF2B5EF4-FFF2-40B4-BE49-F238E27FC236}">
+                <a16:creationId xmlns:a16="http://schemas.microsoft.com/office/drawing/2014/main" id="{1B9206D6-E7C2-BE4C-8AE1-F8B295B31899}"/>
+              </a:ext>
+            </a:extLst>
+          </p:cNvPr>
+          <p:cNvSpPr>
+            <a:spLocks noGrp="1"/>
+          </p:cNvSpPr>
+          <p:nvPr>
+            <p:ph idx="1"/>
+          </p:nvPr>
+        </p:nvSpPr>
+        <p:spPr/>
+        <p:txBody>
+          <a:bodyPr/>
+          <a:lstStyle/>
+          <a:p>
+            <a:endParaRPr lang="en-US"/>
+          </a:p>
+        </p:txBody>
+      </p:sp>
+      <p:sp>
+        <p:nvSpPr>
+          <p:cNvPr id="4" name="TextBox 3">
+            <a:extLst>
+              <a:ext uri="{FF2B5EF4-FFF2-40B4-BE49-F238E27FC236}">
+                <a16:creationId xmlns:a16="http://schemas.microsoft.com/office/drawing/2014/main" id="{C9C8C975-C3C7-A54E-B5FD-C0CC2A1ADFAA}"/>
+              </a:ext>
+            </a:extLst>
+          </p:cNvPr>
+          <p:cNvSpPr txBox="1"/>
+          <p:nvPr/>
+        </p:nvSpPr>
+        <p:spPr>
+          <a:xfrm>
+            <a:off x="1053549" y="6289627"/>
+            <a:ext cx="3220278" cy="461665"/>
+          </a:xfrm>
+          <a:prstGeom prst="rect">
+            <a:avLst/>
+          </a:prstGeom>
+          <a:noFill/>
+        </p:spPr>
+        <p:txBody>
+          <a:bodyPr wrap="square" rtlCol="0">
+            <a:spAutoFit/>
+          </a:bodyPr>
+          <a:lstStyle/>
+          <a:p>
+            <a:pPr algn="ctr"/>
+            <a:r>
+              <a:rPr lang="en-US" sz="2400" b="1" dirty="0"/>
+              <a:t>Wild Type (3T3) </a:t>
+            </a:r>
+          </a:p>
+        </p:txBody>
+      </p:sp>
+      <p:sp>
+        <p:nvSpPr>
+          <p:cNvPr id="5" name="TextBox 4">
+            <a:extLst>
+              <a:ext uri="{FF2B5EF4-FFF2-40B4-BE49-F238E27FC236}">
+                <a16:creationId xmlns:a16="http://schemas.microsoft.com/office/drawing/2014/main" id="{E9D171B3-AB31-D741-953C-F590FA529D19}"/>
+              </a:ext>
+            </a:extLst>
+          </p:cNvPr>
+          <p:cNvSpPr txBox="1"/>
+          <p:nvPr/>
+        </p:nvSpPr>
+        <p:spPr>
+          <a:xfrm>
+            <a:off x="7918173" y="6262042"/>
+            <a:ext cx="3220278" cy="461665"/>
+          </a:xfrm>
+          <a:prstGeom prst="rect">
+            <a:avLst/>
+          </a:prstGeom>
+          <a:noFill/>
+        </p:spPr>
+        <p:txBody>
+          <a:bodyPr wrap="square" rtlCol="0">
+            <a:spAutoFit/>
+          </a:bodyPr>
+          <a:lstStyle/>
+          <a:p>
+            <a:pPr algn="ctr"/>
+            <a:r>
+              <a:rPr lang="en-US" sz="2400" b="1" dirty="0"/>
+              <a:t>BCC </a:t>
+            </a:r>
+          </a:p>
+        </p:txBody>
+      </p:sp>
+      <p:sp>
+        <p:nvSpPr>
+          <p:cNvPr id="6" name="TextBox 5">
+            <a:extLst>
+              <a:ext uri="{FF2B5EF4-FFF2-40B4-BE49-F238E27FC236}">
+                <a16:creationId xmlns:a16="http://schemas.microsoft.com/office/drawing/2014/main" id="{4C569830-E9BE-B546-A5F9-E6948B948E4E}"/>
+              </a:ext>
+            </a:extLst>
+          </p:cNvPr>
+          <p:cNvSpPr txBox="1"/>
+          <p:nvPr/>
+        </p:nvSpPr>
+        <p:spPr>
+          <a:xfrm>
+            <a:off x="24504" y="6262042"/>
+            <a:ext cx="7017026" cy="461665"/>
+          </a:xfrm>
+          <a:prstGeom prst="rect">
+            <a:avLst/>
+          </a:prstGeom>
+          <a:noFill/>
+        </p:spPr>
+        <p:txBody>
+          <a:bodyPr wrap="square" rtlCol="0">
+            <a:spAutoFit/>
+          </a:bodyPr>
+          <a:lstStyle/>
+          <a:p>
+            <a:r>
+              <a:rPr lang="en-US" sz="2400" dirty="0"/>
+              <a:t>**MTT assay shows no impact on Cell Proliferation** </a:t>
+            </a:r>
+          </a:p>
+        </p:txBody>
+      </p:sp>
+    </p:spTree>
+    <p:extLst>
+      <p:ext uri="{BB962C8B-B14F-4D97-AF65-F5344CB8AC3E}">
+        <p14:creationId xmlns:p14="http://schemas.microsoft.com/office/powerpoint/2010/main" val="4250519887"/>
+      </p:ext>
+    </p:extLst>
+  </p:cSld>
+  <p:clrMapOvr>
+    <a:masterClrMapping/>
+  </p:clrMapOvr>
+  <p:timing>
+    <p:tnLst>
+      <p:par>
+        <p:cTn id="1" dur="indefinite" restart="never" nodeType="tmRoot">
+          <p:childTnLst>
+            <p:seq concurrent="1" nextAc="seek">
+              <p:cTn id="2" dur="indefinite" nodeType="mainSeq">
+                <p:childTnLst>
+                  <p:par>
+                    <p:cTn id="3" fill="hold">
+                      <p:stCondLst>
+                        <p:cond delay="indefinite"/>
+                      </p:stCondLst>
+                      <p:childTnLst>
+                        <p:par>
+                          <p:cTn id="4" fill="hold">
+                            <p:stCondLst>
+                              <p:cond delay="0"/>
+                            </p:stCondLst>
+                            <p:childTnLst>
+                              <p:par>
+                                <p:cTn id="5" presetID="1" presetClass="entr" presetSubtype="0" fill="hold" grpId="0" nodeType="clickEffect">
+                                  <p:stCondLst>
+                                    <p:cond delay="0"/>
+                                  </p:stCondLst>
+                                  <p:childTnLst>
+                                    <p:set>
+                                      <p:cBhvr>
+                                        <p:cTn id="6" dur="1" fill="hold">
+                                          <p:stCondLst>
+                                            <p:cond delay="0"/>
+                                          </p:stCondLst>
+                                        </p:cTn>
+                                        <p:tgtEl>
+                                          <p:spTgt spid="6"/>
+                                        </p:tgtEl>
+                                        <p:attrNameLst>
+                                          <p:attrName>style.visibility</p:attrName>
+                                        </p:attrNameLst>
+                                      </p:cBhvr>
+                                      <p:to>
+                                        <p:strVal val="visible"/>
+                                      </p:to>
+                                    </p:set>
+                                  </p:childTnLst>
+                                </p:cTn>
+                              </p:par>
+                            </p:childTnLst>
+                          </p:cTn>
+                        </p:par>
+                      </p:childTnLst>
+                    </p:cTn>
+                  </p:par>
+                </p:childTnLst>
+              </p:cTn>
+              <p:prevCondLst>
+                <p:cond evt="onPrev" delay="0">
+                  <p:tgtEl>
+                    <p:sldTgt/>
+                  </p:tgtEl>
+                </p:cond>
+              </p:prevCondLst>
+              <p:nextCondLst>
+                <p:cond evt="onNext" delay="0">
+                  <p:tgtEl>
+                    <p:sldTgt/>
+                  </p:tgtEl>
+                </p:cond>
+              </p:nextCondLst>
+            </p:seq>
+          </p:childTnLst>
+        </p:cTn>
+      </p:par>
+    </p:tnLst>
+    <p:bldLst>
+      <p:bldP spid="6" grpId="0"/>
+    </p:bldLst>
+  </p:timing>
+</p:sld>
+</file>
+
+<file path=ppt/slides/slide17.xml><?xml version="1.0" encoding="utf-8"?>
 <p:sld xmlns:a="http://schemas.openxmlformats.org/drawingml/2006/main" xmlns:r="http://schemas.openxmlformats.org/officeDocument/2006/relationships" xmlns:p="http://schemas.openxmlformats.org/presentationml/2006/main">
   <p:cSld>
     <p:spTree>
@@ -5277,43 +7398,71 @@
             <p:ph type="title"/>
           </p:nvPr>
         </p:nvSpPr>
-        <p:spPr/>
-        <p:txBody>
-          <a:bodyPr/>
-          <a:lstStyle/>
-          <a:p>
-            <a:r>
-              <a:rPr lang="en-US" dirty="0"/>
-              <a:t>Zinc Viability </a:t>
-            </a:r>
-          </a:p>
-        </p:txBody>
-      </p:sp>
-      <p:sp>
-        <p:nvSpPr>
-          <p:cNvPr id="3" name="Content Placeholder 2">
-            <a:extLst>
-              <a:ext uri="{FF2B5EF4-FFF2-40B4-BE49-F238E27FC236}">
-                <a16:creationId xmlns:a16="http://schemas.microsoft.com/office/drawing/2014/main" id="{83AA8680-3188-5449-906E-72B3E10349C2}"/>
-              </a:ext>
-            </a:extLst>
-          </p:cNvPr>
-          <p:cNvSpPr>
-            <a:spLocks noGrp="1"/>
-          </p:cNvSpPr>
-          <p:nvPr>
-            <p:ph idx="1"/>
-          </p:nvPr>
-        </p:nvSpPr>
-        <p:spPr/>
-        <p:txBody>
-          <a:bodyPr/>
-          <a:lstStyle/>
-          <a:p>
-            <a:endParaRPr lang="en-US"/>
-          </a:p>
-        </p:txBody>
-      </p:sp>
+        <p:spPr>
+          <a:xfrm>
+            <a:off x="838200" y="206099"/>
+            <a:ext cx="10515600" cy="1325563"/>
+          </a:xfrm>
+        </p:spPr>
+        <p:txBody>
+          <a:bodyPr>
+            <a:normAutofit/>
+          </a:bodyPr>
+          <a:lstStyle/>
+          <a:p>
+            <a:r>
+              <a:rPr lang="en-US" dirty="0">
+                <a:latin typeface="Cambria" panose="02040503050406030204" pitchFamily="18" charset="0"/>
+              </a:rPr>
+              <a:t>Treatment of BCC cells with NEK1 inhibitor </a:t>
+            </a:r>
+            <a:r>
+              <a:rPr lang="en-US" dirty="0">
+                <a:solidFill>
+                  <a:prstClr val="black"/>
+                </a:solidFill>
+                <a:latin typeface="Cambria" panose="02040503050406030204" pitchFamily="18" charset="0"/>
+              </a:rPr>
+              <a:t>Zinc05007751 </a:t>
+            </a:r>
+            <a:r>
+              <a:rPr lang="en-US" dirty="0">
+                <a:latin typeface="Cambria" panose="02040503050406030204" pitchFamily="18" charset="0"/>
+              </a:rPr>
+              <a:t>does not affect cell survival</a:t>
+            </a:r>
+          </a:p>
+        </p:txBody>
+      </p:sp>
+      <p:pic>
+        <p:nvPicPr>
+          <p:cNvPr id="4" name="Picture 3">
+            <a:extLst>
+              <a:ext uri="{FF2B5EF4-FFF2-40B4-BE49-F238E27FC236}">
+                <a16:creationId xmlns:a16="http://schemas.microsoft.com/office/drawing/2014/main" id="{EFEE5C25-8ED5-C94E-95EA-C8971F364A13}"/>
+              </a:ext>
+            </a:extLst>
+          </p:cNvPr>
+          <p:cNvPicPr>
+            <a:picLocks noChangeAspect="1"/>
+          </p:cNvPicPr>
+          <p:nvPr/>
+        </p:nvPicPr>
+        <p:blipFill rotWithShape="1">
+          <a:blip r:embed="rId3"/>
+          <a:srcRect l="1996" t="21041" r="2447" b="2259"/>
+          <a:stretch/>
+        </p:blipFill>
+        <p:spPr>
+          <a:xfrm>
+            <a:off x="993914" y="1531662"/>
+            <a:ext cx="9839738" cy="4747454"/>
+          </a:xfrm>
+          <a:prstGeom prst="rect">
+            <a:avLst/>
+          </a:prstGeom>
+        </p:spPr>
+      </p:pic>
     </p:spTree>
     <p:extLst>
       <p:ext uri="{BB962C8B-B14F-4D97-AF65-F5344CB8AC3E}">
@@ -5327,7 +7476,7 @@
 </p:sld>
 </file>
 
-<file path=ppt/slides/slide14.xml><?xml version="1.0" encoding="utf-8"?>
+<file path=ppt/slides/slide18.xml><?xml version="1.0" encoding="utf-8"?>
 <p:sld xmlns:a="http://schemas.openxmlformats.org/drawingml/2006/main" xmlns:r="http://schemas.openxmlformats.org/officeDocument/2006/relationships" xmlns:p="http://schemas.openxmlformats.org/presentationml/2006/main">
   <p:cSld>
     <p:spTree>
@@ -5366,7 +7515,9 @@
           <a:lstStyle/>
           <a:p>
             <a:r>
-              <a:rPr lang="en-US" dirty="0"/>
+              <a:rPr lang="en-US" dirty="0">
+                <a:latin typeface="Cambria" panose="02040503050406030204" pitchFamily="18" charset="0"/>
+              </a:rPr>
               <a:t>Future Directions </a:t>
             </a:r>
           </a:p>
@@ -5449,7 +7600,9 @@
           <a:lstStyle/>
           <a:p>
             <a:r>
-              <a:rPr lang="en-US" dirty="0"/>
+              <a:rPr lang="en-US" dirty="0">
+                <a:latin typeface="Cambria" panose="02040503050406030204" pitchFamily="18" charset="0"/>
+              </a:rPr>
               <a:t>Basal Cell Carcinoma </a:t>
             </a:r>
           </a:p>
@@ -5617,7 +7770,9 @@
           <a:lstStyle/>
           <a:p>
             <a:r>
-              <a:rPr lang="en-US" dirty="0"/>
+              <a:rPr lang="en-US" dirty="0">
+                <a:latin typeface="Cambria" panose="02040503050406030204" pitchFamily="18" charset="0"/>
+              </a:rPr>
               <a:t>American Cancer Society</a:t>
             </a:r>
           </a:p>
@@ -5876,7 +8031,9 @@
           <a:lstStyle/>
           <a:p>
             <a:r>
-              <a:rPr lang="en-US" dirty="0"/>
+              <a:rPr lang="en-US" dirty="0">
+                <a:latin typeface="Cambria" panose="02040503050406030204" pitchFamily="18" charset="0"/>
+              </a:rPr>
               <a:t>Hedgehog Signaling Pathway</a:t>
             </a:r>
           </a:p>
@@ -5942,15 +8099,21 @@
           <a:p>
             <a:pPr algn="r"/>
             <a:r>
-              <a:rPr lang="en-US" dirty="0"/>
+              <a:rPr lang="en-US" dirty="0">
+                <a:latin typeface="Cambria" panose="02040503050406030204" pitchFamily="18" charset="0"/>
+              </a:rPr>
               <a:t>Atwood </a:t>
             </a:r>
             <a:r>
-              <a:rPr lang="en-US" i="1" dirty="0"/>
+              <a:rPr lang="en-US" i="1" dirty="0">
+                <a:latin typeface="Cambria" panose="02040503050406030204" pitchFamily="18" charset="0"/>
+              </a:rPr>
               <a:t>et al</a:t>
             </a:r>
             <a:r>
-              <a:rPr lang="en-US" dirty="0"/>
+              <a:rPr lang="en-US" dirty="0">
+                <a:latin typeface="Cambria" panose="02040503050406030204" pitchFamily="18" charset="0"/>
+              </a:rPr>
               <a:t>., 2012</a:t>
             </a:r>
           </a:p>
@@ -6100,7 +8263,7 @@
 </file>
 
 <file path=ppt/slides/slide4.xml><?xml version="1.0" encoding="utf-8"?>
-<p:sld xmlns:a="http://schemas.openxmlformats.org/drawingml/2006/main" xmlns:r="http://schemas.openxmlformats.org/officeDocument/2006/relationships" xmlns:p="http://schemas.openxmlformats.org/presentationml/2006/main">
+<p:sld xmlns:a="http://schemas.openxmlformats.org/drawingml/2006/main" xmlns:r="http://schemas.openxmlformats.org/officeDocument/2006/relationships" xmlns:p="http://schemas.openxmlformats.org/presentationml/2006/main" show="0">
   <p:cSld>
     <p:spTree>
       <p:nvGrpSpPr>
@@ -6269,7 +8432,9 @@
           <a:lstStyle/>
           <a:p>
             <a:r>
-              <a:rPr lang="en-US" dirty="0"/>
+              <a:rPr lang="en-US" dirty="0">
+                <a:latin typeface="Cambria" panose="02040503050406030204" pitchFamily="18" charset="0"/>
+              </a:rPr>
               <a:t>Inhibition of SMO to treat BCC </a:t>
             </a:r>
           </a:p>
@@ -6290,7 +8455,7 @@
           <p:nvPr/>
         </p:nvPicPr>
         <p:blipFill>
-          <a:blip r:embed="rId2"/>
+          <a:blip r:embed="rId3"/>
           <a:stretch>
             <a:fillRect/>
           </a:stretch>
@@ -6335,15 +8500,21 @@
           <a:p>
             <a:pPr algn="r"/>
             <a:r>
-              <a:rPr lang="en-US" dirty="0"/>
+              <a:rPr lang="en-US" dirty="0">
+                <a:latin typeface="Cambria" panose="02040503050406030204" pitchFamily="18" charset="0"/>
+              </a:rPr>
               <a:t>Sharpe </a:t>
             </a:r>
             <a:r>
-              <a:rPr lang="en-US" i="1" dirty="0"/>
+              <a:rPr lang="en-US" i="1" dirty="0">
+                <a:latin typeface="Cambria" panose="02040503050406030204" pitchFamily="18" charset="0"/>
+              </a:rPr>
               <a:t>et al</a:t>
             </a:r>
             <a:r>
-              <a:rPr lang="en-US" dirty="0"/>
+              <a:rPr lang="en-US" dirty="0">
+                <a:latin typeface="Cambria" panose="02040503050406030204" pitchFamily="18" charset="0"/>
+              </a:rPr>
               <a:t>., 2015</a:t>
             </a:r>
           </a:p>
@@ -6364,6 +8535,89 @@
 
 <file path=ppt/slides/slide6.xml><?xml version="1.0" encoding="utf-8"?>
 <p:sld xmlns:a="http://schemas.openxmlformats.org/drawingml/2006/main" xmlns:r="http://schemas.openxmlformats.org/officeDocument/2006/relationships" xmlns:p="http://schemas.openxmlformats.org/presentationml/2006/main">
+  <p:cSld>
+    <p:spTree>
+      <p:nvGrpSpPr>
+        <p:cNvPr id="1" name=""/>
+        <p:cNvGrpSpPr/>
+        <p:nvPr/>
+      </p:nvGrpSpPr>
+      <p:grpSpPr>
+        <a:xfrm>
+          <a:off x="0" y="0"/>
+          <a:ext cx="0" cy="0"/>
+          <a:chOff x="0" y="0"/>
+          <a:chExt cx="0" cy="0"/>
+        </a:xfrm>
+      </p:grpSpPr>
+      <p:sp>
+        <p:nvSpPr>
+          <p:cNvPr id="2" name="Title 1">
+            <a:extLst>
+              <a:ext uri="{FF2B5EF4-FFF2-40B4-BE49-F238E27FC236}">
+                <a16:creationId xmlns:a16="http://schemas.microsoft.com/office/drawing/2014/main" id="{CC8DC5B7-314C-314F-8342-D39E0D1139A9}"/>
+              </a:ext>
+            </a:extLst>
+          </p:cNvPr>
+          <p:cNvSpPr>
+            <a:spLocks noGrp="1"/>
+          </p:cNvSpPr>
+          <p:nvPr>
+            <p:ph type="title"/>
+          </p:nvPr>
+        </p:nvSpPr>
+        <p:spPr/>
+        <p:txBody>
+          <a:bodyPr/>
+          <a:lstStyle/>
+          <a:p>
+            <a:r>
+              <a:rPr lang="en-US" dirty="0"/>
+              <a:t>Specific Aims and Hypothesis  </a:t>
+            </a:r>
+          </a:p>
+        </p:txBody>
+      </p:sp>
+      <p:sp>
+        <p:nvSpPr>
+          <p:cNvPr id="3" name="Content Placeholder 2">
+            <a:extLst>
+              <a:ext uri="{FF2B5EF4-FFF2-40B4-BE49-F238E27FC236}">
+                <a16:creationId xmlns:a16="http://schemas.microsoft.com/office/drawing/2014/main" id="{B3327548-7650-4F46-85BB-A8A74826CBD4}"/>
+              </a:ext>
+            </a:extLst>
+          </p:cNvPr>
+          <p:cNvSpPr>
+            <a:spLocks noGrp="1"/>
+          </p:cNvSpPr>
+          <p:nvPr>
+            <p:ph idx="1"/>
+          </p:nvPr>
+        </p:nvSpPr>
+        <p:spPr/>
+        <p:txBody>
+          <a:bodyPr/>
+          <a:lstStyle/>
+          <a:p>
+            <a:endParaRPr lang="en-US"/>
+          </a:p>
+        </p:txBody>
+      </p:sp>
+    </p:spTree>
+    <p:extLst>
+      <p:ext uri="{BB962C8B-B14F-4D97-AF65-F5344CB8AC3E}">
+        <p14:creationId xmlns:p14="http://schemas.microsoft.com/office/powerpoint/2010/main" val="493974737"/>
+      </p:ext>
+    </p:extLst>
+  </p:cSld>
+  <p:clrMapOvr>
+    <a:masterClrMapping/>
+  </p:clrMapOvr>
+</p:sld>
+</file>
+
+<file path=ppt/slides/slide7.xml><?xml version="1.0" encoding="utf-8"?>
+<p:sld xmlns:a="http://schemas.openxmlformats.org/drawingml/2006/main" xmlns:r="http://schemas.openxmlformats.org/officeDocument/2006/relationships" xmlns:p="http://schemas.openxmlformats.org/presentationml/2006/main" show="0">
   <p:cSld>
     <p:spTree>
       <p:nvGrpSpPr>
@@ -6715,7 +8969,7 @@
 </p:sld>
 </file>
 
-<file path=ppt/slides/slide7.xml><?xml version="1.0" encoding="utf-8"?>
+<file path=ppt/slides/slide8.xml><?xml version="1.0" encoding="utf-8"?>
 <p:sld xmlns:a="http://schemas.openxmlformats.org/drawingml/2006/main" xmlns:r="http://schemas.openxmlformats.org/officeDocument/2006/relationships" xmlns:p="http://schemas.openxmlformats.org/presentationml/2006/main">
   <p:cSld>
     <p:spTree>
@@ -6754,7 +9008,9 @@
           <a:lstStyle/>
           <a:p>
             <a:r>
-              <a:rPr lang="en-US" dirty="0"/>
+              <a:rPr lang="en-US" dirty="0">
+                <a:latin typeface="Cambria" panose="02040503050406030204" pitchFamily="18" charset="0"/>
+              </a:rPr>
               <a:t>Kinases Active at Re-current GLI Mutations</a:t>
             </a:r>
           </a:p>
@@ -6775,14 +9031,14 @@
           <p:nvPr>
             <p:extLst>
               <p:ext uri="{D42A27DB-BD31-4B8C-83A1-F6EECF244321}">
-                <p14:modId xmlns:p14="http://schemas.microsoft.com/office/powerpoint/2010/main" val="1027447844"/>
+                <p14:modId xmlns:p14="http://schemas.microsoft.com/office/powerpoint/2010/main" val="4004936114"/>
               </p:ext>
             </p:extLst>
           </p:nvPr>
         </p:nvGraphicFramePr>
         <p:xfrm>
           <a:off x="1618891" y="1830637"/>
-          <a:ext cx="8954217" cy="4622785"/>
+          <a:ext cx="8954217" cy="4765010"/>
         </p:xfrm>
         <a:graphic>
           <a:graphicData uri="http://schemas.openxmlformats.org/drawingml/2006/table">
@@ -6821,7 +9077,9 @@
                     <a:p>
                       <a:pPr algn="ctr"/>
                       <a:r>
-                        <a:rPr lang="en-US" sz="3200" dirty="0"/>
+                        <a:rPr lang="en-US" sz="3200" dirty="0">
+                          <a:latin typeface="Cambria" panose="02040503050406030204" pitchFamily="18" charset="0"/>
+                        </a:rPr>
                         <a:t>Kinase</a:t>
                       </a:r>
                     </a:p>
@@ -6835,7 +9093,9 @@
                     <a:p>
                       <a:pPr algn="ctr"/>
                       <a:r>
-                        <a:rPr lang="en-US" sz="3200" dirty="0"/>
+                        <a:rPr lang="en-US" sz="3200" dirty="0">
+                          <a:latin typeface="Cambria" panose="02040503050406030204" pitchFamily="18" charset="0"/>
+                        </a:rPr>
                         <a:t>Significance</a:t>
                       </a:r>
                     </a:p>
@@ -6849,7 +9109,9 @@
                     <a:p>
                       <a:pPr algn="ctr"/>
                       <a:r>
-                        <a:rPr lang="en-US" sz="3200" dirty="0"/>
+                        <a:rPr lang="en-US" sz="3200" dirty="0">
+                          <a:latin typeface="Cambria" panose="02040503050406030204" pitchFamily="18" charset="0"/>
+                        </a:rPr>
                         <a:t>Inhibitor </a:t>
                       </a:r>
                     </a:p>
@@ -6875,7 +9137,7 @@
                             <a:schemeClr val="dk1"/>
                           </a:solidFill>
                           <a:effectLst/>
-                          <a:latin typeface="+mn-lt"/>
+                          <a:latin typeface="Cambria" panose="02040503050406030204" pitchFamily="18" charset="0"/>
                           <a:ea typeface="+mn-ea"/>
                           <a:cs typeface="+mn-cs"/>
                         </a:rPr>
@@ -6887,7 +9149,7 @@
                             <a:schemeClr val="dk1"/>
                           </a:solidFill>
                           <a:effectLst/>
-                          <a:latin typeface="+mn-lt"/>
+                          <a:latin typeface="Cambria" panose="02040503050406030204" pitchFamily="18" charset="0"/>
                           <a:ea typeface="+mn-ea"/>
                           <a:cs typeface="+mn-cs"/>
                         </a:rPr>
@@ -6898,13 +9160,15 @@
                             <a:schemeClr val="dk1"/>
                           </a:solidFill>
                           <a:effectLst/>
-                          <a:latin typeface="+mn-lt"/>
+                          <a:latin typeface="Cambria" panose="02040503050406030204" pitchFamily="18" charset="0"/>
                           <a:ea typeface="+mn-ea"/>
                           <a:cs typeface="+mn-cs"/>
                         </a:rPr>
                         <a:t>(MAP2K1/MEK1)</a:t>
                       </a:r>
-                      <a:endParaRPr lang="en-US" sz="2400" dirty="0"/>
+                      <a:endParaRPr lang="en-US" sz="2400" dirty="0">
+                        <a:latin typeface="Cambria" panose="02040503050406030204" pitchFamily="18" charset="0"/>
+                      </a:endParaRPr>
                     </a:p>
                   </a:txBody>
                   <a:tcPr/>
@@ -6919,7 +9183,9 @@
                         <a:buChar char="•"/>
                       </a:pPr>
                       <a:r>
-                        <a:rPr lang="en-US" dirty="0"/>
+                        <a:rPr lang="en-US" dirty="0">
+                          <a:latin typeface="Cambria" panose="02040503050406030204" pitchFamily="18" charset="0"/>
+                        </a:rPr>
                         <a:t>Melanoma and metastasis </a:t>
                       </a:r>
                     </a:p>
@@ -6929,7 +9195,9 @@
                         <a:buChar char="•"/>
                       </a:pPr>
                       <a:r>
-                        <a:rPr lang="en-US" dirty="0"/>
+                        <a:rPr lang="en-US" dirty="0">
+                          <a:latin typeface="Cambria" panose="02040503050406030204" pitchFamily="18" charset="0"/>
+                        </a:rPr>
                         <a:t>Stabilizes GLI and activates Hedgehog Signaling </a:t>
                       </a:r>
                     </a:p>
@@ -6969,7 +9237,7 @@
                           <a:effectLst/>
                           <a:uLnTx/>
                           <a:uFillTx/>
-                          <a:latin typeface="+mn-lt"/>
+                          <a:latin typeface="Cambria" panose="02040503050406030204" pitchFamily="18" charset="0"/>
                           <a:ea typeface="+mn-ea"/>
                           <a:cs typeface="+mn-cs"/>
                         </a:rPr>
@@ -7005,7 +9273,7 @@
                           <a:effectLst/>
                           <a:uLnTx/>
                           <a:uFillTx/>
-                          <a:latin typeface="+mn-lt"/>
+                          <a:latin typeface="Cambria" panose="02040503050406030204" pitchFamily="18" charset="0"/>
                           <a:ea typeface="+mn-ea"/>
                           <a:cs typeface="+mn-cs"/>
                         </a:rPr>
@@ -7022,7 +9290,7 @@
                           <a:effectLst/>
                           <a:uLnTx/>
                           <a:uFillTx/>
-                          <a:latin typeface="+mn-lt"/>
+                          <a:latin typeface="Cambria" panose="02040503050406030204" pitchFamily="18" charset="0"/>
                           <a:ea typeface="+mn-ea"/>
                           <a:cs typeface="+mn-cs"/>
                         </a:rPr>
@@ -7039,7 +9307,7 @@
                           <a:effectLst/>
                           <a:uLnTx/>
                           <a:uFillTx/>
-                          <a:latin typeface="+mn-lt"/>
+                          <a:latin typeface="Cambria" panose="02040503050406030204" pitchFamily="18" charset="0"/>
                           <a:ea typeface="+mn-ea"/>
                           <a:cs typeface="+mn-cs"/>
                         </a:rPr>
@@ -7068,7 +9336,7 @@
                             <a:schemeClr val="dk1"/>
                           </a:solidFill>
                           <a:effectLst/>
-                          <a:latin typeface="+mn-lt"/>
+                          <a:latin typeface="Cambria" panose="02040503050406030204" pitchFamily="18" charset="0"/>
                           <a:ea typeface="+mn-ea"/>
                           <a:cs typeface="+mn-cs"/>
                         </a:rPr>
@@ -7077,10 +9345,13 @@
                       <a:r>
                         <a:rPr lang="en-US" sz="2400" dirty="0">
                           <a:effectLst/>
+                          <a:latin typeface="Cambria" panose="02040503050406030204" pitchFamily="18" charset="0"/>
                         </a:rPr>
                         <a:t> </a:t>
                       </a:r>
-                      <a:endParaRPr lang="en-US" sz="2400" dirty="0"/>
+                      <a:endParaRPr lang="en-US" sz="2400" dirty="0">
+                        <a:latin typeface="Cambria" panose="02040503050406030204" pitchFamily="18" charset="0"/>
+                      </a:endParaRPr>
                     </a:p>
                   </a:txBody>
                   <a:tcPr anchor="ctr"/>
@@ -7095,7 +9366,9 @@
                         <a:buChar char="•"/>
                       </a:pPr>
                       <a:r>
-                        <a:rPr lang="en-US" dirty="0"/>
+                        <a:rPr lang="en-US" dirty="0">
+                          <a:latin typeface="Cambria" panose="02040503050406030204" pitchFamily="18" charset="0"/>
+                        </a:rPr>
                         <a:t>Regulates glycolysis</a:t>
                       </a:r>
                     </a:p>
@@ -7105,7 +9378,9 @@
                         <a:buChar char="•"/>
                       </a:pPr>
                       <a:r>
-                        <a:rPr lang="en-US" dirty="0"/>
+                        <a:rPr lang="en-US" dirty="0">
+                          <a:latin typeface="Cambria" panose="02040503050406030204" pitchFamily="18" charset="0"/>
+                        </a:rPr>
                         <a:t>Inhibition upregulates apoptosis</a:t>
                       </a:r>
                     </a:p>
@@ -7145,7 +9420,7 @@
                           <a:effectLst/>
                           <a:uLnTx/>
                           <a:uFillTx/>
-                          <a:latin typeface="+mn-lt"/>
+                          <a:latin typeface="Cambria" panose="02040503050406030204" pitchFamily="18" charset="0"/>
                           <a:ea typeface="+mn-ea"/>
                           <a:cs typeface="+mn-cs"/>
                         </a:rPr>
@@ -7181,7 +9456,7 @@
                           <a:effectLst/>
                           <a:uLnTx/>
                           <a:uFillTx/>
-                          <a:latin typeface="+mn-lt"/>
+                          <a:latin typeface="Cambria" panose="02040503050406030204" pitchFamily="18" charset="0"/>
                           <a:ea typeface="+mn-ea"/>
                           <a:cs typeface="+mn-cs"/>
                         </a:rPr>
@@ -7210,13 +9485,15 @@
                             <a:schemeClr val="dk1"/>
                           </a:solidFill>
                           <a:effectLst/>
-                          <a:latin typeface="+mn-lt"/>
+                          <a:latin typeface="Cambria" panose="02040503050406030204" pitchFamily="18" charset="0"/>
                           <a:ea typeface="+mn-ea"/>
                           <a:cs typeface="+mn-cs"/>
                         </a:rPr>
                         <a:t>NIMA Related Kinase (NEK1) </a:t>
                       </a:r>
-                      <a:endParaRPr lang="en-US" sz="2400" dirty="0"/>
+                      <a:endParaRPr lang="en-US" sz="2400" dirty="0">
+                        <a:latin typeface="Cambria" panose="02040503050406030204" pitchFamily="18" charset="0"/>
+                      </a:endParaRPr>
                     </a:p>
                   </a:txBody>
                   <a:tcPr anchor="ctr"/>
@@ -7231,14 +9508,20 @@
                         <a:buChar char="•"/>
                       </a:pPr>
                       <a:r>
-                        <a:rPr lang="en-US" dirty="0"/>
+                        <a:rPr lang="en-US" dirty="0">
+                          <a:latin typeface="Cambria" panose="02040503050406030204" pitchFamily="18" charset="0"/>
+                        </a:rPr>
                         <a:t>Role in </a:t>
                       </a:r>
                       <a:r>
-                        <a:rPr lang="en-US" dirty="0" err="1"/>
+                        <a:rPr lang="en-US" dirty="0" err="1">
+                          <a:latin typeface="Cambria" panose="02040503050406030204" pitchFamily="18" charset="0"/>
+                        </a:rPr>
                         <a:t>ciliogenesis</a:t>
                       </a:r>
-                      <a:endParaRPr lang="en-US" dirty="0"/>
+                      <a:endParaRPr lang="en-US" dirty="0">
+                        <a:latin typeface="Cambria" panose="02040503050406030204" pitchFamily="18" charset="0"/>
+                      </a:endParaRPr>
                     </a:p>
                     <a:p>
                       <a:pPr marL="285750" indent="-285750" algn="l">
@@ -7246,8 +9529,10 @@
                         <a:buChar char="•"/>
                       </a:pPr>
                       <a:r>
-                        <a:rPr lang="en-US" dirty="0"/>
-                        <a:t>Inhibition reduces GLI activation and Hedgehog Signaling</a:t>
+                        <a:rPr lang="en-US" dirty="0">
+                          <a:latin typeface="Cambria" panose="02040503050406030204" pitchFamily="18" charset="0"/>
+                        </a:rPr>
+                        <a:t>Activates GLI  and Hedgehog Signaling</a:t>
                       </a:r>
                     </a:p>
                   </a:txBody>
@@ -7286,7 +9571,7 @@
                           <a:effectLst/>
                           <a:uLnTx/>
                           <a:uFillTx/>
-                          <a:latin typeface="+mn-lt"/>
+                          <a:latin typeface="Cambria" panose="02040503050406030204" pitchFamily="18" charset="0"/>
                           <a:ea typeface="+mn-ea"/>
                           <a:cs typeface="+mn-cs"/>
                         </a:rPr>
@@ -7322,7 +9607,7 @@
                           <a:effectLst/>
                           <a:uLnTx/>
                           <a:uFillTx/>
-                          <a:latin typeface="+mn-lt"/>
+                          <a:latin typeface="Cambria" panose="02040503050406030204" pitchFamily="18" charset="0"/>
                           <a:ea typeface="+mn-ea"/>
                           <a:cs typeface="+mn-cs"/>
                         </a:rPr>
@@ -7339,7 +9624,7 @@
                           <a:effectLst/>
                           <a:uLnTx/>
                           <a:uFillTx/>
-                          <a:latin typeface="+mn-lt"/>
+                          <a:latin typeface="Cambria" panose="02040503050406030204" pitchFamily="18" charset="0"/>
                           <a:ea typeface="+mn-ea"/>
                           <a:cs typeface="+mn-cs"/>
                         </a:rPr>
@@ -7355,7 +9640,7 @@
                         <a:effectLst/>
                         <a:uLnTx/>
                         <a:uFillTx/>
-                        <a:latin typeface="+mn-lt"/>
+                        <a:latin typeface="Cambria" panose="02040503050406030204" pitchFamily="18" charset="0"/>
                         <a:ea typeface="+mn-ea"/>
                         <a:cs typeface="+mn-cs"/>
                       </a:endParaRPr>
@@ -7387,7 +9672,7 @@
         </p:nvSpPr>
         <p:spPr>
           <a:xfrm>
-            <a:off x="1618891" y="4088921"/>
+            <a:off x="1618890" y="4391171"/>
             <a:ext cx="8954217" cy="1242204"/>
           </a:xfrm>
           <a:prstGeom prst="rect">
@@ -7439,8 +9724,8 @@
         </p:nvSpPr>
         <p:spPr>
           <a:xfrm>
-            <a:off x="1618890" y="5177144"/>
-            <a:ext cx="8954217" cy="1242204"/>
+            <a:off x="1618890" y="5486400"/>
+            <a:ext cx="8954217" cy="1086929"/>
           </a:xfrm>
           <a:prstGeom prst="rect">
             <a:avLst/>
@@ -7614,7 +9899,7 @@
 </p:sld>
 </file>
 
-<file path=ppt/slides/slide8.xml><?xml version="1.0" encoding="utf-8"?>
+<file path=ppt/slides/slide9.xml><?xml version="1.0" encoding="utf-8"?>
 <p:sld xmlns:a="http://schemas.openxmlformats.org/drawingml/2006/main" xmlns:r="http://schemas.openxmlformats.org/officeDocument/2006/relationships" xmlns:p="http://schemas.openxmlformats.org/presentationml/2006/main">
   <p:cSld>
     <p:spTree>
@@ -7655,7 +9940,9 @@
           <a:lstStyle/>
           <a:p>
             <a:r>
-              <a:rPr lang="en-US" sz="4000" dirty="0"/>
+              <a:rPr lang="en-US" sz="4000" dirty="0">
+                <a:latin typeface="Cambria" panose="02040503050406030204" pitchFamily="18" charset="0"/>
+              </a:rPr>
               <a:t>MAP2K1/MEK1 inhibition does not impact Hedgehog Signaling Activation </a:t>
             </a:r>
           </a:p>
@@ -7674,7 +9961,7 @@
           <p:nvPr/>
         </p:nvPicPr>
         <p:blipFill rotWithShape="1">
-          <a:blip r:embed="rId2">
+          <a:blip r:embed="rId3">
             <a:extLst>
               <a:ext uri="{28A0092B-C50C-407E-A947-70E740481C1C}">
                 <a14:useLocalDpi xmlns:a14="http://schemas.microsoft.com/office/drawing/2010/main" val="0"/>
@@ -7686,7 +9973,7 @@
         </p:blipFill>
         <p:spPr bwMode="auto">
           <a:xfrm>
-            <a:off x="237035" y="1962095"/>
+            <a:off x="389626" y="2364243"/>
             <a:ext cx="5858965" cy="3990131"/>
           </a:xfrm>
           <a:prstGeom prst="rect">
@@ -7715,7 +10002,7 @@
           <p:nvPr/>
         </p:nvPicPr>
         <p:blipFill rotWithShape="1">
-          <a:blip r:embed="rId3">
+          <a:blip r:embed="rId4">
             <a:extLst>
               <a:ext uri="{28A0092B-C50C-407E-A947-70E740481C1C}">
                 <a14:useLocalDpi xmlns:a14="http://schemas.microsoft.com/office/drawing/2010/main" val="0"/>
@@ -7727,7 +10014,7 @@
         </p:blipFill>
         <p:spPr bwMode="auto">
           <a:xfrm>
-            <a:off x="6544574" y="2329133"/>
+            <a:off x="6544574" y="2731281"/>
             <a:ext cx="5257800" cy="3623093"/>
           </a:xfrm>
           <a:prstGeom prst="rect">
@@ -7743,105 +10030,86 @@
           </a:extLst>
         </p:spPr>
       </p:pic>
+      <p:sp>
+        <p:nvSpPr>
+          <p:cNvPr id="3" name="TextBox 2">
+            <a:extLst>
+              <a:ext uri="{FF2B5EF4-FFF2-40B4-BE49-F238E27FC236}">
+                <a16:creationId xmlns:a16="http://schemas.microsoft.com/office/drawing/2014/main" id="{9FF7B9D8-B8D2-1F48-9EA3-BE98CF59DCDF}"/>
+              </a:ext>
+            </a:extLst>
+          </p:cNvPr>
+          <p:cNvSpPr txBox="1"/>
+          <p:nvPr/>
+        </p:nvSpPr>
+        <p:spPr>
+          <a:xfrm>
+            <a:off x="1252331" y="2022883"/>
+            <a:ext cx="3220278" cy="461665"/>
+          </a:xfrm>
+          <a:prstGeom prst="rect">
+            <a:avLst/>
+          </a:prstGeom>
+          <a:noFill/>
+        </p:spPr>
+        <p:txBody>
+          <a:bodyPr wrap="square" rtlCol="0">
+            <a:spAutoFit/>
+          </a:bodyPr>
+          <a:lstStyle/>
+          <a:p>
+            <a:pPr algn="ctr"/>
+            <a:r>
+              <a:rPr lang="en-US" sz="2400" b="1" dirty="0">
+                <a:latin typeface="Cambria" panose="02040503050406030204" pitchFamily="18" charset="0"/>
+              </a:rPr>
+              <a:t>Wild Type (3T3) </a:t>
+            </a:r>
+          </a:p>
+        </p:txBody>
+      </p:sp>
+      <p:sp>
+        <p:nvSpPr>
+          <p:cNvPr id="6" name="TextBox 5">
+            <a:extLst>
+              <a:ext uri="{FF2B5EF4-FFF2-40B4-BE49-F238E27FC236}">
+                <a16:creationId xmlns:a16="http://schemas.microsoft.com/office/drawing/2014/main" id="{83ED2A17-7968-384D-9F6B-DCD80FD9596F}"/>
+              </a:ext>
+            </a:extLst>
+          </p:cNvPr>
+          <p:cNvSpPr txBox="1"/>
+          <p:nvPr/>
+        </p:nvSpPr>
+        <p:spPr>
+          <a:xfrm>
+            <a:off x="7719391" y="2022883"/>
+            <a:ext cx="3220278" cy="461665"/>
+          </a:xfrm>
+          <a:prstGeom prst="rect">
+            <a:avLst/>
+          </a:prstGeom>
+          <a:noFill/>
+        </p:spPr>
+        <p:txBody>
+          <a:bodyPr wrap="square" rtlCol="0">
+            <a:spAutoFit/>
+          </a:bodyPr>
+          <a:lstStyle/>
+          <a:p>
+            <a:pPr algn="ctr"/>
+            <a:r>
+              <a:rPr lang="en-US" sz="2400" b="1" dirty="0">
+                <a:latin typeface="Cambria" panose="02040503050406030204" pitchFamily="18" charset="0"/>
+              </a:rPr>
+              <a:t>BCC </a:t>
+            </a:r>
+          </a:p>
+        </p:txBody>
+      </p:sp>
     </p:spTree>
     <p:extLst>
       <p:ext uri="{BB962C8B-B14F-4D97-AF65-F5344CB8AC3E}">
         <p14:creationId xmlns:p14="http://schemas.microsoft.com/office/powerpoint/2010/main" val="939691858"/>
-      </p:ext>
-    </p:extLst>
-  </p:cSld>
-  <p:clrMapOvr>
-    <a:masterClrMapping/>
-  </p:clrMapOvr>
-</p:sld>
-</file>
-
-<file path=ppt/slides/slide9.xml><?xml version="1.0" encoding="utf-8"?>
-<p:sld xmlns:a="http://schemas.openxmlformats.org/drawingml/2006/main" xmlns:r="http://schemas.openxmlformats.org/officeDocument/2006/relationships" xmlns:p="http://schemas.openxmlformats.org/presentationml/2006/main">
-  <p:cSld>
-    <p:spTree>
-      <p:nvGrpSpPr>
-        <p:cNvPr id="1" name=""/>
-        <p:cNvGrpSpPr/>
-        <p:nvPr/>
-      </p:nvGrpSpPr>
-      <p:grpSpPr>
-        <a:xfrm>
-          <a:off x="0" y="0"/>
-          <a:ext cx="0" cy="0"/>
-          <a:chOff x="0" y="0"/>
-          <a:chExt cx="0" cy="0"/>
-        </a:xfrm>
-      </p:grpSpPr>
-      <p:sp>
-        <p:nvSpPr>
-          <p:cNvPr id="2" name="Title 1">
-            <a:extLst>
-              <a:ext uri="{FF2B5EF4-FFF2-40B4-BE49-F238E27FC236}">
-                <a16:creationId xmlns:a16="http://schemas.microsoft.com/office/drawing/2014/main" id="{BD989734-C89B-4E47-B24E-B2E1FC3C0F4B}"/>
-              </a:ext>
-            </a:extLst>
-          </p:cNvPr>
-          <p:cNvSpPr>
-            <a:spLocks noGrp="1"/>
-          </p:cNvSpPr>
-          <p:nvPr>
-            <p:ph type="title"/>
-          </p:nvPr>
-        </p:nvSpPr>
-        <p:spPr/>
-        <p:txBody>
-          <a:bodyPr>
-            <a:normAutofit/>
-          </a:bodyPr>
-          <a:lstStyle/>
-          <a:p>
-            <a:r>
-              <a:rPr lang="en-US" sz="4000" dirty="0"/>
-              <a:t>MAP2K1/MEK1 Affects Cell Proliferation at High Concentrations of Inhibitor</a:t>
-            </a:r>
-          </a:p>
-        </p:txBody>
-      </p:sp>
-      <p:pic>
-        <p:nvPicPr>
-          <p:cNvPr id="4" name="Picture 3">
-            <a:extLst>
-              <a:ext uri="{FF2B5EF4-FFF2-40B4-BE49-F238E27FC236}">
-                <a16:creationId xmlns:a16="http://schemas.microsoft.com/office/drawing/2014/main" id="{16E9747F-084A-5B40-A0B5-BB9CAACCE065}"/>
-              </a:ext>
-            </a:extLst>
-          </p:cNvPr>
-          <p:cNvPicPr/>
-          <p:nvPr/>
-        </p:nvPicPr>
-        <p:blipFill rotWithShape="1">
-          <a:blip r:embed="rId2"/>
-          <a:srcRect l="2591" t="18160" r="2542" b="3265"/>
-          <a:stretch/>
-        </p:blipFill>
-        <p:spPr bwMode="auto">
-          <a:xfrm>
-            <a:off x="2035834" y="2074194"/>
-            <a:ext cx="7838536" cy="4310851"/>
-          </a:xfrm>
-          <a:prstGeom prst="rect">
-            <a:avLst/>
-          </a:prstGeom>
-          <a:ln>
-            <a:noFill/>
-          </a:ln>
-          <a:extLst>
-            <a:ext uri="{53640926-AAD7-44D8-BBD7-CCE9431645EC}">
-              <a14:shadowObscured xmlns:a14="http://schemas.microsoft.com/office/drawing/2010/main"/>
-            </a:ext>
-          </a:extLst>
-        </p:spPr>
-      </p:pic>
-    </p:spTree>
-    <p:extLst>
-      <p:ext uri="{BB962C8B-B14F-4D97-AF65-F5344CB8AC3E}">
-        <p14:creationId xmlns:p14="http://schemas.microsoft.com/office/powerpoint/2010/main" val="3884143867"/>
       </p:ext>
     </p:extLst>
   </p:cSld>

--- a/Rotation Wrap Up Presentation.pptx
+++ b/Rotation Wrap Up Presentation.pptx
@@ -6981,37 +6981,42 @@
           <a:lstStyle/>
           <a:p>
             <a:r>
-              <a:rPr lang="en-US" dirty="0"/>
+              <a:rPr lang="en-US" dirty="0">
+                <a:latin typeface="Cambria" panose="02040503050406030204" pitchFamily="18" charset="0"/>
+              </a:rPr>
               <a:t>Zinc qPCR</a:t>
             </a:r>
           </a:p>
         </p:txBody>
       </p:sp>
-      <p:sp>
-        <p:nvSpPr>
-          <p:cNvPr id="3" name="Content Placeholder 2">
-            <a:extLst>
-              <a:ext uri="{FF2B5EF4-FFF2-40B4-BE49-F238E27FC236}">
-                <a16:creationId xmlns:a16="http://schemas.microsoft.com/office/drawing/2014/main" id="{1B9206D6-E7C2-BE4C-8AE1-F8B295B31899}"/>
-              </a:ext>
-            </a:extLst>
-          </p:cNvPr>
-          <p:cNvSpPr>
-            <a:spLocks noGrp="1"/>
-          </p:cNvSpPr>
+      <p:pic>
+        <p:nvPicPr>
+          <p:cNvPr id="7" name="Content Placeholder 6" descr="A picture containing drawing&#10;&#10;Description automatically generated">
+            <a:extLst>
+              <a:ext uri="{FF2B5EF4-FFF2-40B4-BE49-F238E27FC236}">
+                <a16:creationId xmlns:a16="http://schemas.microsoft.com/office/drawing/2014/main" id="{94829483-1B83-BE47-A1B3-058B6CCB0DFC}"/>
+              </a:ext>
+            </a:extLst>
+          </p:cNvPr>
+          <p:cNvPicPr>
+            <a:picLocks noGrp="1" noChangeAspect="1"/>
+          </p:cNvPicPr>
           <p:nvPr>
             <p:ph idx="1"/>
           </p:nvPr>
-        </p:nvSpPr>
-        <p:spPr/>
-        <p:txBody>
-          <a:bodyPr/>
-          <a:lstStyle/>
-          <a:p>
-            <a:endParaRPr lang="en-US"/>
-          </a:p>
-        </p:txBody>
-      </p:sp>
+        </p:nvPicPr>
+        <p:blipFill rotWithShape="1">
+          <a:blip r:embed="rId2"/>
+          <a:srcRect t="6360"/>
+          <a:stretch/>
+        </p:blipFill>
+        <p:spPr>
+          <a:xfrm>
+            <a:off x="6439420" y="2364059"/>
+            <a:ext cx="5247058" cy="4143510"/>
+          </a:xfrm>
+        </p:spPr>
+      </p:pic>
       <p:sp>
         <p:nvSpPr>
           <p:cNvPr id="4" name="TextBox 3">
@@ -7026,7 +7031,7 @@
         </p:nvSpPr>
         <p:spPr>
           <a:xfrm>
-            <a:off x="1053549" y="6289627"/>
+            <a:off x="1074781" y="1529783"/>
             <a:ext cx="3220278" cy="461665"/>
           </a:xfrm>
           <a:prstGeom prst="rect">
@@ -7042,7 +7047,9 @@
           <a:p>
             <a:pPr algn="ctr"/>
             <a:r>
-              <a:rPr lang="en-US" sz="2400" b="1" dirty="0"/>
+              <a:rPr lang="en-US" sz="2400" b="1" dirty="0">
+                <a:latin typeface="Cambria" panose="02040503050406030204" pitchFamily="18" charset="0"/>
+              </a:rPr>
               <a:t>Wild Type (3T3) </a:t>
             </a:r>
           </a:p>
@@ -7062,7 +7069,7 @@
         </p:nvSpPr>
         <p:spPr>
           <a:xfrm>
-            <a:off x="7918173" y="6262042"/>
+            <a:off x="7685010" y="1529782"/>
             <a:ext cx="3220278" cy="461665"/>
           </a:xfrm>
           <a:prstGeom prst="rect">
@@ -7078,12 +7085,43 @@
           <a:p>
             <a:pPr algn="ctr"/>
             <a:r>
-              <a:rPr lang="en-US" sz="2400" b="1" dirty="0"/>
+              <a:rPr lang="en-US" sz="2400" b="1" dirty="0">
+                <a:latin typeface="Cambria" panose="02040503050406030204" pitchFamily="18" charset="0"/>
+              </a:rPr>
               <a:t>BCC </a:t>
             </a:r>
           </a:p>
         </p:txBody>
       </p:sp>
+      <p:pic>
+        <p:nvPicPr>
+          <p:cNvPr id="9" name="Picture 8" descr="A screenshot of a cell phone&#10;&#10;Description automatically generated">
+            <a:extLst>
+              <a:ext uri="{FF2B5EF4-FFF2-40B4-BE49-F238E27FC236}">
+                <a16:creationId xmlns:a16="http://schemas.microsoft.com/office/drawing/2014/main" id="{7B733E56-34E3-514E-96EE-F50437124DEF}"/>
+              </a:ext>
+            </a:extLst>
+          </p:cNvPr>
+          <p:cNvPicPr>
+            <a:picLocks noChangeAspect="1"/>
+          </p:cNvPicPr>
+          <p:nvPr/>
+        </p:nvPicPr>
+        <p:blipFill rotWithShape="1">
+          <a:blip r:embed="rId3"/>
+          <a:srcRect t="6360"/>
+          <a:stretch/>
+        </p:blipFill>
+        <p:spPr>
+          <a:xfrm>
+            <a:off x="145779" y="2065282"/>
+            <a:ext cx="5606801" cy="4427593"/>
+          </a:xfrm>
+          <a:prstGeom prst="rect">
+            <a:avLst/>
+          </a:prstGeom>
+        </p:spPr>
+      </p:pic>
     </p:spTree>
     <p:extLst>
       <p:ext uri="{BB962C8B-B14F-4D97-AF65-F5344CB8AC3E}">

--- a/Rotation Wrap Up Presentation.pptx
+++ b/Rotation Wrap Up Presentation.pptx
@@ -23,7 +23,7 @@
     <p:sldId id="273" r:id="rId14"/>
     <p:sldId id="267" r:id="rId15"/>
     <p:sldId id="268" r:id="rId16"/>
-    <p:sldId id="274" r:id="rId17"/>
+    <p:sldId id="275" r:id="rId17"/>
     <p:sldId id="269" r:id="rId18"/>
     <p:sldId id="270" r:id="rId19"/>
   </p:sldIdLst>
@@ -1356,7 +1356,7 @@
           <a:p>
             <a:r>
               <a:rPr lang="en-US" dirty="0"/>
-              <a:t>Basal Cell Carcinoma is the most prevalent skin cancer in the US with 4 million diagnosis a year. This cancer occurs in the basal layer which is the lowest layer of the epidermis. Evidence supports that BCC caused by uncontrolled activation of the hedgehog signaling pathway which is critical in development in the primary cilia of a cell. </a:t>
+              <a:t>Basal Cell Carcinoma is the most prevalent skin cancer in the US with 4 million diagnosis a year. This cancer occurs in the basal layer which is the lowest layer of the epidermis and is most common on sun-exposed areas of the body. Evidence supports that BCC caused by uncontrolled activation of the hedgehog signaling pathway which is critical in development in the primary cilia of a cell. </a:t>
             </a:r>
           </a:p>
         </p:txBody>
@@ -1730,15 +1730,7 @@
             </a:r>
             <a:r>
               <a:rPr lang="en-US" dirty="0"/>
-              <a:t> or the gain of more transcription factors in the system. Additionally, mutations in SMO have caused the drug to be ineffective in suppressing </a:t>
-            </a:r>
-            <a:r>
-              <a:rPr lang="en-US" dirty="0" err="1"/>
-              <a:t>sufu</a:t>
-            </a:r>
-            <a:r>
-              <a:rPr lang="en-US" dirty="0"/>
-              <a:t> and thus allowing the pathway to proceed as normal. Both BCC resistance and SMO mutations have directed the attention in drug development to the GLI transcription factors. These transcription factors have been proposed to be activated by kinases. </a:t>
+              <a:t> or the gain of more transcription factors in the system. Additionally, mutations in SMO have caused the drug to be ineffective in suppressing SMO and thus allowing the pathway to proceed as normal. Both BCC resistance and SMO mutations have directed the attention in drug development to the GLI transcription factors. These transcription factors have been proposed to be activated by kinases. </a:t>
             </a:r>
           </a:p>
         </p:txBody>
@@ -5948,47 +5940,6 @@
           </a:extLst>
         </p:spPr>
       </p:pic>
-      <p:pic>
-        <p:nvPicPr>
-          <p:cNvPr id="5" name="Picture 4" descr="A screenshot of a cell phone&#10;&#10;Description automatically generated">
-            <a:extLst>
-              <a:ext uri="{FF2B5EF4-FFF2-40B4-BE49-F238E27FC236}">
-                <a16:creationId xmlns:a16="http://schemas.microsoft.com/office/drawing/2014/main" id="{006EFD22-AD60-9241-9DA5-665191C78265}"/>
-              </a:ext>
-            </a:extLst>
-          </p:cNvPr>
-          <p:cNvPicPr/>
-          <p:nvPr/>
-        </p:nvPicPr>
-        <p:blipFill rotWithShape="1">
-          <a:blip r:embed="rId4">
-            <a:extLst>
-              <a:ext uri="{28A0092B-C50C-407E-A947-70E740481C1C}">
-                <a14:useLocalDpi xmlns:a14="http://schemas.microsoft.com/office/drawing/2010/main" val="0"/>
-              </a:ext>
-            </a:extLst>
-          </a:blip>
-          <a:srcRect t="7141"/>
-          <a:stretch/>
-        </p:blipFill>
-        <p:spPr bwMode="auto">
-          <a:xfrm>
-            <a:off x="6544574" y="2329133"/>
-            <a:ext cx="5257800" cy="3623093"/>
-          </a:xfrm>
-          <a:prstGeom prst="rect">
-            <a:avLst/>
-          </a:prstGeom>
-          <a:ln>
-            <a:noFill/>
-          </a:ln>
-          <a:extLst>
-            <a:ext uri="{53640926-AAD7-44D8-BBD7-CCE9431645EC}">
-              <a14:shadowObscured xmlns:a14="http://schemas.microsoft.com/office/drawing/2010/main"/>
-            </a:ext>
-          </a:extLst>
-        </p:spPr>
-      </p:pic>
       <p:sp>
         <p:nvSpPr>
           <p:cNvPr id="3" name="TextBox 2">
@@ -6102,6 +6053,35 @@
           </a:p>
         </p:txBody>
       </p:sp>
+      <p:pic>
+        <p:nvPicPr>
+          <p:cNvPr id="8" name="Picture 7">
+            <a:extLst>
+              <a:ext uri="{FF2B5EF4-FFF2-40B4-BE49-F238E27FC236}">
+                <a16:creationId xmlns:a16="http://schemas.microsoft.com/office/drawing/2014/main" id="{18C94250-5EBA-8542-94B3-55E4C4118C49}"/>
+              </a:ext>
+            </a:extLst>
+          </p:cNvPr>
+          <p:cNvPicPr>
+            <a:picLocks noChangeAspect="1"/>
+          </p:cNvPicPr>
+          <p:nvPr/>
+        </p:nvPicPr>
+        <p:blipFill rotWithShape="1">
+          <a:blip r:embed="rId4"/>
+          <a:srcRect t="6963"/>
+          <a:stretch/>
+        </p:blipFill>
+        <p:spPr>
+          <a:xfrm>
+            <a:off x="6289288" y="2305630"/>
+            <a:ext cx="5665677" cy="3858497"/>
+          </a:xfrm>
+          <a:prstGeom prst="rect">
+            <a:avLst/>
+          </a:prstGeom>
+        </p:spPr>
+      </p:pic>
     </p:spTree>
     <p:extLst>
       <p:ext uri="{BB962C8B-B14F-4D97-AF65-F5344CB8AC3E}">
@@ -7114,8 +7094,8 @@
         </p:blipFill>
         <p:spPr>
           <a:xfrm>
-            <a:off x="145779" y="2065282"/>
-            <a:ext cx="5606801" cy="4427593"/>
+            <a:off x="301896" y="2065281"/>
+            <a:ext cx="5606802" cy="4427594"/>
           </a:xfrm>
           <a:prstGeom prst="rect">
             <a:avLst/>
@@ -7174,37 +7154,42 @@
           <a:lstStyle/>
           <a:p>
             <a:r>
-              <a:rPr lang="en-US" dirty="0"/>
+              <a:rPr lang="en-US" dirty="0">
+                <a:latin typeface="Cambria" panose="02040503050406030204" pitchFamily="18" charset="0"/>
+              </a:rPr>
               <a:t>Zinc qPCR</a:t>
             </a:r>
           </a:p>
         </p:txBody>
       </p:sp>
-      <p:sp>
-        <p:nvSpPr>
-          <p:cNvPr id="3" name="Content Placeholder 2">
-            <a:extLst>
-              <a:ext uri="{FF2B5EF4-FFF2-40B4-BE49-F238E27FC236}">
-                <a16:creationId xmlns:a16="http://schemas.microsoft.com/office/drawing/2014/main" id="{1B9206D6-E7C2-BE4C-8AE1-F8B295B31899}"/>
-              </a:ext>
-            </a:extLst>
-          </p:cNvPr>
-          <p:cNvSpPr>
-            <a:spLocks noGrp="1"/>
-          </p:cNvSpPr>
+      <p:pic>
+        <p:nvPicPr>
+          <p:cNvPr id="7" name="Content Placeholder 6" descr="A picture containing drawing&#10;&#10;Description automatically generated">
+            <a:extLst>
+              <a:ext uri="{FF2B5EF4-FFF2-40B4-BE49-F238E27FC236}">
+                <a16:creationId xmlns:a16="http://schemas.microsoft.com/office/drawing/2014/main" id="{94829483-1B83-BE47-A1B3-058B6CCB0DFC}"/>
+              </a:ext>
+            </a:extLst>
+          </p:cNvPr>
+          <p:cNvPicPr>
+            <a:picLocks noGrp="1" noChangeAspect="1"/>
+          </p:cNvPicPr>
           <p:nvPr>
             <p:ph idx="1"/>
           </p:nvPr>
-        </p:nvSpPr>
-        <p:spPr/>
-        <p:txBody>
-          <a:bodyPr/>
-          <a:lstStyle/>
-          <a:p>
-            <a:endParaRPr lang="en-US"/>
-          </a:p>
-        </p:txBody>
-      </p:sp>
+        </p:nvPicPr>
+        <p:blipFill rotWithShape="1">
+          <a:blip r:embed="rId2"/>
+          <a:srcRect t="6360"/>
+          <a:stretch/>
+        </p:blipFill>
+        <p:spPr>
+          <a:xfrm>
+            <a:off x="6439421" y="2060224"/>
+            <a:ext cx="5247058" cy="4143510"/>
+          </a:xfrm>
+        </p:spPr>
+      </p:pic>
       <p:sp>
         <p:nvSpPr>
           <p:cNvPr id="4" name="TextBox 3">
@@ -7219,7 +7204,7 @@
         </p:nvSpPr>
         <p:spPr>
           <a:xfrm>
-            <a:off x="1053549" y="6289627"/>
+            <a:off x="1074781" y="1529783"/>
             <a:ext cx="3220278" cy="461665"/>
           </a:xfrm>
           <a:prstGeom prst="rect">
@@ -7235,7 +7220,9 @@
           <a:p>
             <a:pPr algn="ctr"/>
             <a:r>
-              <a:rPr lang="en-US" sz="2400" b="1" dirty="0"/>
+              <a:rPr lang="en-US" sz="2400" b="1" dirty="0">
+                <a:latin typeface="Cambria" panose="02040503050406030204" pitchFamily="18" charset="0"/>
+              </a:rPr>
               <a:t>Wild Type (3T3) </a:t>
             </a:r>
           </a:p>
@@ -7255,7 +7242,7 @@
         </p:nvSpPr>
         <p:spPr>
           <a:xfrm>
-            <a:off x="7918173" y="6262042"/>
+            <a:off x="7685010" y="1529782"/>
             <a:ext cx="3220278" cy="461665"/>
           </a:xfrm>
           <a:prstGeom prst="rect">
@@ -7271,18 +7258,49 @@
           <a:p>
             <a:pPr algn="ctr"/>
             <a:r>
-              <a:rPr lang="en-US" sz="2400" b="1" dirty="0"/>
+              <a:rPr lang="en-US" sz="2400" b="1" dirty="0">
+                <a:latin typeface="Cambria" panose="02040503050406030204" pitchFamily="18" charset="0"/>
+              </a:rPr>
               <a:t>BCC </a:t>
             </a:r>
           </a:p>
         </p:txBody>
       </p:sp>
-      <p:sp>
-        <p:nvSpPr>
-          <p:cNvPr id="6" name="TextBox 5">
-            <a:extLst>
-              <a:ext uri="{FF2B5EF4-FFF2-40B4-BE49-F238E27FC236}">
-                <a16:creationId xmlns:a16="http://schemas.microsoft.com/office/drawing/2014/main" id="{4C569830-E9BE-B546-A5F9-E6948B948E4E}"/>
+      <p:pic>
+        <p:nvPicPr>
+          <p:cNvPr id="9" name="Picture 8" descr="A screenshot of a cell phone&#10;&#10;Description automatically generated">
+            <a:extLst>
+              <a:ext uri="{FF2B5EF4-FFF2-40B4-BE49-F238E27FC236}">
+                <a16:creationId xmlns:a16="http://schemas.microsoft.com/office/drawing/2014/main" id="{7B733E56-34E3-514E-96EE-F50437124DEF}"/>
+              </a:ext>
+            </a:extLst>
+          </p:cNvPr>
+          <p:cNvPicPr>
+            <a:picLocks noChangeAspect="1"/>
+          </p:cNvPicPr>
+          <p:nvPr/>
+        </p:nvPicPr>
+        <p:blipFill rotWithShape="1">
+          <a:blip r:embed="rId3"/>
+          <a:srcRect t="6360"/>
+          <a:stretch/>
+        </p:blipFill>
+        <p:spPr>
+          <a:xfrm>
+            <a:off x="145780" y="1918182"/>
+            <a:ext cx="5606801" cy="4427593"/>
+          </a:xfrm>
+          <a:prstGeom prst="rect">
+            <a:avLst/>
+          </a:prstGeom>
+        </p:spPr>
+      </p:pic>
+      <p:sp>
+        <p:nvSpPr>
+          <p:cNvPr id="8" name="TextBox 7">
+            <a:extLst>
+              <a:ext uri="{FF2B5EF4-FFF2-40B4-BE49-F238E27FC236}">
+                <a16:creationId xmlns:a16="http://schemas.microsoft.com/office/drawing/2014/main" id="{235F9036-9AED-364B-8A87-B4E1400FCA66}"/>
               </a:ext>
             </a:extLst>
           </p:cNvPr>
@@ -7291,7 +7309,7 @@
         </p:nvSpPr>
         <p:spPr>
           <a:xfrm>
-            <a:off x="24504" y="6262042"/>
+            <a:off x="0" y="6345775"/>
             <a:ext cx="7017026" cy="461665"/>
           </a:xfrm>
           <a:prstGeom prst="rect">
@@ -7306,7 +7324,9 @@
           <a:lstStyle/>
           <a:p>
             <a:r>
-              <a:rPr lang="en-US" sz="2400" dirty="0"/>
+              <a:rPr lang="en-US" sz="2400" dirty="0">
+                <a:latin typeface="Cambria" panose="02040503050406030204" pitchFamily="18" charset="0"/>
+              </a:rPr>
               <a:t>**MTT assay shows no impact on Cell Proliferation** </a:t>
             </a:r>
           </a:p>
@@ -7315,7 +7335,7 @@
     </p:spTree>
     <p:extLst>
       <p:ext uri="{BB962C8B-B14F-4D97-AF65-F5344CB8AC3E}">
-        <p14:creationId xmlns:p14="http://schemas.microsoft.com/office/powerpoint/2010/main" val="4250519887"/>
+        <p14:creationId xmlns:p14="http://schemas.microsoft.com/office/powerpoint/2010/main" val="3757765571"/>
       </p:ext>
     </p:extLst>
   </p:cSld>
@@ -7356,7 +7376,7 @@
                                           </p:stCondLst>
                                         </p:cTn>
                                         <p:tgtEl>
-                                          <p:spTgt spid="6"/>
+                                          <p:spTgt spid="8"/>
                                         </p:tgtEl>
                                         <p:attrNameLst>
                                           <p:attrName>style.visibility</p:attrName>
@@ -7397,7 +7417,7 @@
       </p:par>
     </p:tnLst>
     <p:bldLst>
-      <p:bldP spid="6" grpId="0"/>
+      <p:bldP spid="8" grpId="0"/>
     </p:bldLst>
   </p:timing>
 </p:sld>
@@ -10027,47 +10047,6 @@
           </a:extLst>
         </p:spPr>
       </p:pic>
-      <p:pic>
-        <p:nvPicPr>
-          <p:cNvPr id="5" name="Picture 4" descr="A screenshot of a cell phone&#10;&#10;Description automatically generated">
-            <a:extLst>
-              <a:ext uri="{FF2B5EF4-FFF2-40B4-BE49-F238E27FC236}">
-                <a16:creationId xmlns:a16="http://schemas.microsoft.com/office/drawing/2014/main" id="{006EFD22-AD60-9241-9DA5-665191C78265}"/>
-              </a:ext>
-            </a:extLst>
-          </p:cNvPr>
-          <p:cNvPicPr/>
-          <p:nvPr/>
-        </p:nvPicPr>
-        <p:blipFill rotWithShape="1">
-          <a:blip r:embed="rId4">
-            <a:extLst>
-              <a:ext uri="{28A0092B-C50C-407E-A947-70E740481C1C}">
-                <a14:useLocalDpi xmlns:a14="http://schemas.microsoft.com/office/drawing/2010/main" val="0"/>
-              </a:ext>
-            </a:extLst>
-          </a:blip>
-          <a:srcRect t="7141"/>
-          <a:stretch/>
-        </p:blipFill>
-        <p:spPr bwMode="auto">
-          <a:xfrm>
-            <a:off x="6544574" y="2731281"/>
-            <a:ext cx="5257800" cy="3623093"/>
-          </a:xfrm>
-          <a:prstGeom prst="rect">
-            <a:avLst/>
-          </a:prstGeom>
-          <a:ln>
-            <a:noFill/>
-          </a:ln>
-          <a:extLst>
-            <a:ext uri="{53640926-AAD7-44D8-BBD7-CCE9431645EC}">
-              <a14:shadowObscured xmlns:a14="http://schemas.microsoft.com/office/drawing/2010/main"/>
-            </a:ext>
-          </a:extLst>
-        </p:spPr>
-      </p:pic>
       <p:sp>
         <p:nvSpPr>
           <p:cNvPr id="3" name="TextBox 2">
@@ -10144,6 +10123,35 @@
           </a:p>
         </p:txBody>
       </p:sp>
+      <p:pic>
+        <p:nvPicPr>
+          <p:cNvPr id="8" name="Picture 7">
+            <a:extLst>
+              <a:ext uri="{FF2B5EF4-FFF2-40B4-BE49-F238E27FC236}">
+                <a16:creationId xmlns:a16="http://schemas.microsoft.com/office/drawing/2014/main" id="{F79168F6-87E0-7045-B7AE-2A6CFE63ED95}"/>
+              </a:ext>
+            </a:extLst>
+          </p:cNvPr>
+          <p:cNvPicPr>
+            <a:picLocks noChangeAspect="1"/>
+          </p:cNvPicPr>
+          <p:nvPr/>
+        </p:nvPicPr>
+        <p:blipFill rotWithShape="1">
+          <a:blip r:embed="rId4"/>
+          <a:srcRect t="6963"/>
+          <a:stretch/>
+        </p:blipFill>
+        <p:spPr>
+          <a:xfrm>
+            <a:off x="6248591" y="2575516"/>
+            <a:ext cx="5706374" cy="3886213"/>
+          </a:xfrm>
+          <a:prstGeom prst="rect">
+            <a:avLst/>
+          </a:prstGeom>
+        </p:spPr>
+      </p:pic>
     </p:spTree>
     <p:extLst>
       <p:ext uri="{BB962C8B-B14F-4D97-AF65-F5344CB8AC3E}">

--- a/Rotation Wrap Up Presentation.pptx
+++ b/Rotation Wrap Up Presentation.pptx
@@ -10152,6 +10152,36 @@
           </a:prstGeom>
         </p:spPr>
       </p:pic>
+      <p:pic>
+        <p:nvPicPr>
+          <p:cNvPr id="10" name="Picture 9">
+            <a:extLst>
+              <a:ext uri="{FF2B5EF4-FFF2-40B4-BE49-F238E27FC236}">
+                <a16:creationId xmlns:a16="http://schemas.microsoft.com/office/drawing/2014/main" id="{63E8570E-9ABD-E747-B880-A5056C5A8F79}"/>
+              </a:ext>
+            </a:extLst>
+          </p:cNvPr>
+          <p:cNvPicPr>
+            <a:picLocks noChangeAspect="1"/>
+          </p:cNvPicPr>
+          <p:nvPr/>
+        </p:nvPicPr>
+        <p:blipFill>
+          <a:blip r:embed="rId5"/>
+          <a:stretch>
+            <a:fillRect/>
+          </a:stretch>
+        </p:blipFill>
+        <p:spPr>
+          <a:xfrm>
+            <a:off x="12581983" y="3429000"/>
+            <a:ext cx="3175000" cy="2324100"/>
+          </a:xfrm>
+          <a:prstGeom prst="rect">
+            <a:avLst/>
+          </a:prstGeom>
+        </p:spPr>
+      </p:pic>
     </p:spTree>
     <p:extLst>
       <p:ext uri="{BB962C8B-B14F-4D97-AF65-F5344CB8AC3E}">

--- a/Rotation Wrap Up Presentation.pptx
+++ b/Rotation Wrap Up Presentation.pptx
@@ -1831,7 +1831,7 @@
           <a:p>
             <a:r>
               <a:rPr lang="en-US" dirty="0"/>
-              <a:t>Outlier BCC (repeating experiment) </a:t>
+              <a:t>Outlier BCC (still outlier that whatever happened in that treatment condition Is just odd but with a experimental replicate it could go away) </a:t>
             </a:r>
           </a:p>
         </p:txBody>
@@ -6876,37 +6876,31 @@
       </p:sp>
       <p:pic>
         <p:nvPicPr>
-          <p:cNvPr id="4" name="Picture 3">
-            <a:extLst>
-              <a:ext uri="{FF2B5EF4-FFF2-40B4-BE49-F238E27FC236}">
-                <a16:creationId xmlns:a16="http://schemas.microsoft.com/office/drawing/2014/main" id="{2F68FB62-34DF-AF4D-AB50-7833B5C19371}"/>
-              </a:ext>
-            </a:extLst>
-          </p:cNvPr>
-          <p:cNvPicPr/>
+          <p:cNvPr id="5" name="Picture 4">
+            <a:extLst>
+              <a:ext uri="{FF2B5EF4-FFF2-40B4-BE49-F238E27FC236}">
+                <a16:creationId xmlns:a16="http://schemas.microsoft.com/office/drawing/2014/main" id="{DD83F0E0-6B8F-124A-B1EF-0FC45BA3D4F2}"/>
+              </a:ext>
+            </a:extLst>
+          </p:cNvPr>
+          <p:cNvPicPr>
+            <a:picLocks noChangeAspect="1"/>
+          </p:cNvPicPr>
           <p:nvPr/>
         </p:nvPicPr>
         <p:blipFill rotWithShape="1">
           <a:blip r:embed="rId3"/>
-          <a:srcRect l="2454" t="22962" r="4262" b="3025"/>
+          <a:srcRect l="2458" t="22848" r="2627" b="4406"/>
           <a:stretch/>
         </p:blipFill>
-        <p:spPr bwMode="auto">
+        <p:spPr>
           <a:xfrm>
-            <a:off x="1880558" y="2173856"/>
-            <a:ext cx="7504981" cy="3778369"/>
+            <a:off x="1270012" y="1690688"/>
+            <a:ext cx="9651975" cy="4446803"/>
           </a:xfrm>
           <a:prstGeom prst="rect">
             <a:avLst/>
           </a:prstGeom>
-          <a:ln>
-            <a:noFill/>
-          </a:ln>
-          <a:extLst>
-            <a:ext uri="{53640926-AAD7-44D8-BBD7-CCE9431645EC}">
-              <a14:shadowObscured xmlns:a14="http://schemas.microsoft.com/office/drawing/2010/main"/>
-            </a:ext>
-          </a:extLst>
         </p:spPr>
       </p:pic>
     </p:spTree>
@@ -10174,8 +10168,8 @@
         </p:blipFill>
         <p:spPr>
           <a:xfrm>
-            <a:off x="12581983" y="3429000"/>
-            <a:ext cx="3175000" cy="2324100"/>
+            <a:off x="9824463" y="7346556"/>
+            <a:ext cx="5932520" cy="4342605"/>
           </a:xfrm>
           <a:prstGeom prst="rect">
             <a:avLst/>
